--- a/students/K3241/Marchenko_Vadim/LR_1/Презентация_АИС_Архив_Кнопка_DFD.pptx
+++ b/students/K3241/Marchenko_Vadim/LR_1/Презентация_АИС_Архив_Кнопка_DFD.pptx
@@ -216,7 +216,7 @@
           <a:p>
             <a:fld id="{4894BE7D-1DFF-524D-804B-495704964DCC}" type="datetimeFigureOut">
               <a:rPr lang="ru-US" smtClean="0"/>
-              <a:t>10/8/25</a:t>
+              <a:t>2/19/26</a:t>
             </a:fld>
             <a:endParaRPr lang="ru-US"/>
           </a:p>
@@ -1013,7 +1013,7 @@
           <a:p>
             <a:fld id="{5BCAD085-E8A6-8845-BD4E-CB4CCA059FC4}" type="datetimeFigureOut">
               <a:rPr lang="en-US" smtClean="0"/>
-              <a:t>10/8/25</a:t>
+              <a:t>2/19/26</a:t>
             </a:fld>
             <a:endParaRPr lang="en-US"/>
           </a:p>
@@ -1181,7 +1181,7 @@
           <a:p>
             <a:fld id="{5BCAD085-E8A6-8845-BD4E-CB4CCA059FC4}" type="datetimeFigureOut">
               <a:rPr lang="en-US" smtClean="0"/>
-              <a:t>10/8/25</a:t>
+              <a:t>2/19/26</a:t>
             </a:fld>
             <a:endParaRPr lang="en-US"/>
           </a:p>
@@ -1359,7 +1359,7 @@
           <a:p>
             <a:fld id="{5BCAD085-E8A6-8845-BD4E-CB4CCA059FC4}" type="datetimeFigureOut">
               <a:rPr lang="en-US" smtClean="0"/>
-              <a:t>10/8/25</a:t>
+              <a:t>2/19/26</a:t>
             </a:fld>
             <a:endParaRPr lang="en-US"/>
           </a:p>
@@ -1527,7 +1527,7 @@
           <a:p>
             <a:fld id="{5BCAD085-E8A6-8845-BD4E-CB4CCA059FC4}" type="datetimeFigureOut">
               <a:rPr lang="en-US" smtClean="0"/>
-              <a:t>10/8/25</a:t>
+              <a:t>2/19/26</a:t>
             </a:fld>
             <a:endParaRPr lang="en-US"/>
           </a:p>
@@ -1772,7 +1772,7 @@
           <a:p>
             <a:fld id="{5BCAD085-E8A6-8845-BD4E-CB4CCA059FC4}" type="datetimeFigureOut">
               <a:rPr lang="en-US" smtClean="0"/>
-              <a:t>10/8/25</a:t>
+              <a:t>2/19/26</a:t>
             </a:fld>
             <a:endParaRPr lang="en-US"/>
           </a:p>
@@ -2057,7 +2057,7 @@
           <a:p>
             <a:fld id="{5BCAD085-E8A6-8845-BD4E-CB4CCA059FC4}" type="datetimeFigureOut">
               <a:rPr lang="en-US" smtClean="0"/>
-              <a:t>10/8/25</a:t>
+              <a:t>2/19/26</a:t>
             </a:fld>
             <a:endParaRPr lang="en-US"/>
           </a:p>
@@ -2476,7 +2476,7 @@
           <a:p>
             <a:fld id="{5BCAD085-E8A6-8845-BD4E-CB4CCA059FC4}" type="datetimeFigureOut">
               <a:rPr lang="en-US" smtClean="0"/>
-              <a:t>10/8/25</a:t>
+              <a:t>2/19/26</a:t>
             </a:fld>
             <a:endParaRPr lang="en-US"/>
           </a:p>
@@ -2593,7 +2593,7 @@
           <a:p>
             <a:fld id="{5BCAD085-E8A6-8845-BD4E-CB4CCA059FC4}" type="datetimeFigureOut">
               <a:rPr lang="en-US" smtClean="0"/>
-              <a:t>10/8/25</a:t>
+              <a:t>2/19/26</a:t>
             </a:fld>
             <a:endParaRPr lang="en-US"/>
           </a:p>
@@ -2688,7 +2688,7 @@
           <a:p>
             <a:fld id="{5BCAD085-E8A6-8845-BD4E-CB4CCA059FC4}" type="datetimeFigureOut">
               <a:rPr lang="en-US" smtClean="0"/>
-              <a:t>10/8/25</a:t>
+              <a:t>2/19/26</a:t>
             </a:fld>
             <a:endParaRPr lang="en-US"/>
           </a:p>
@@ -2963,7 +2963,7 @@
           <a:p>
             <a:fld id="{5BCAD085-E8A6-8845-BD4E-CB4CCA059FC4}" type="datetimeFigureOut">
               <a:rPr lang="en-US" smtClean="0"/>
-              <a:t>10/8/25</a:t>
+              <a:t>2/19/26</a:t>
             </a:fld>
             <a:endParaRPr lang="en-US"/>
           </a:p>
@@ -3215,7 +3215,7 @@
           <a:p>
             <a:fld id="{5BCAD085-E8A6-8845-BD4E-CB4CCA059FC4}" type="datetimeFigureOut">
               <a:rPr lang="en-US" smtClean="0"/>
-              <a:t>10/8/25</a:t>
+              <a:t>2/19/26</a:t>
             </a:fld>
             <a:endParaRPr lang="en-US"/>
           </a:p>
@@ -3426,7 +3426,7 @@
           <a:p>
             <a:fld id="{5BCAD085-E8A6-8845-BD4E-CB4CCA059FC4}" type="datetimeFigureOut">
               <a:rPr lang="en-US" smtClean="0"/>
-              <a:t>10/8/25</a:t>
+              <a:t>2/19/26</a:t>
             </a:fld>
             <a:endParaRPr lang="en-US"/>
           </a:p>
@@ -5050,12 +5050,169 @@
           </a:p>
         </p:txBody>
       </p:sp>
+      <p:sp>
+        <p:nvSpPr>
+          <p:cNvPr id="6" name="TextBox 5">
+            <a:extLst>
+              <a:ext uri="{FF2B5EF4-FFF2-40B4-BE49-F238E27FC236}">
+                <a16:creationId xmlns:a16="http://schemas.microsoft.com/office/drawing/2014/main" id="{9EEF7F1A-F2BE-A194-7B34-D4733546D8D4}"/>
+              </a:ext>
+            </a:extLst>
+          </p:cNvPr>
+          <p:cNvSpPr txBox="1"/>
+          <p:nvPr/>
+        </p:nvSpPr>
+        <p:spPr>
+          <a:xfrm>
+            <a:off x="457200" y="1298863"/>
+            <a:ext cx="7486345" cy="2031325"/>
+          </a:xfrm>
+          <a:prstGeom prst="rect">
+            <a:avLst/>
+          </a:prstGeom>
+          <a:noFill/>
+        </p:spPr>
+        <p:txBody>
+          <a:bodyPr wrap="none" rtlCol="0">
+            <a:spAutoFit/>
+          </a:bodyPr>
+          <a:lstStyle/>
+          <a:p>
+            <a:r>
+              <a:rPr lang="ru-RU" dirty="0">
+                <a:latin typeface="Helvetica" pitchFamily="2" charset="0"/>
+              </a:rPr>
+              <a:t>Основной процесс: Управлять запросами к архивным документам.</a:t>
+            </a:r>
+          </a:p>
+          <a:p>
+            <a:endParaRPr lang="ru-RU" dirty="0">
+              <a:latin typeface="Helvetica" pitchFamily="2" charset="0"/>
+            </a:endParaRPr>
+          </a:p>
+          <a:p>
+            <a:r>
+              <a:rPr lang="ru-RU" dirty="0">
+                <a:latin typeface="Helvetica" pitchFamily="2" charset="0"/>
+              </a:rPr>
+              <a:t>Внешние сущности:</a:t>
+            </a:r>
+          </a:p>
+          <a:p>
+            <a:r>
+              <a:rPr lang="en-US" dirty="0">
+                <a:latin typeface="Helvetica" pitchFamily="2" charset="0"/>
+              </a:rPr>
+              <a:t>E1 </a:t>
+            </a:r>
+            <a:r>
+              <a:rPr lang="ru-RU" dirty="0">
+                <a:latin typeface="Helvetica" pitchFamily="2" charset="0"/>
+              </a:rPr>
+              <a:t>–</a:t>
+            </a:r>
+            <a:r>
+              <a:rPr lang="en-US" dirty="0">
+                <a:latin typeface="Helvetica" pitchFamily="2" charset="0"/>
+              </a:rPr>
+              <a:t> </a:t>
+            </a:r>
+            <a:r>
+              <a:rPr lang="ru-RU" dirty="0">
+                <a:latin typeface="Helvetica" pitchFamily="2" charset="0"/>
+              </a:rPr>
+              <a:t>Сотрудник компании (инициатор)</a:t>
+            </a:r>
+          </a:p>
+          <a:p>
+            <a:r>
+              <a:rPr lang="en-US" dirty="0">
+                <a:latin typeface="Helvetica" pitchFamily="2" charset="0"/>
+              </a:rPr>
+              <a:t>E2 </a:t>
+            </a:r>
+            <a:r>
+              <a:rPr lang="ru-RU" dirty="0">
+                <a:latin typeface="Helvetica" pitchFamily="2" charset="0"/>
+              </a:rPr>
+              <a:t>–</a:t>
+            </a:r>
+            <a:r>
+              <a:rPr lang="en-US" dirty="0">
+                <a:latin typeface="Helvetica" pitchFamily="2" charset="0"/>
+              </a:rPr>
+              <a:t> </a:t>
+            </a:r>
+            <a:r>
+              <a:rPr lang="ru-RU" dirty="0">
+                <a:latin typeface="Helvetica" pitchFamily="2" charset="0"/>
+              </a:rPr>
+              <a:t>Служба архива</a:t>
+            </a:r>
+          </a:p>
+          <a:p>
+            <a:r>
+              <a:rPr lang="en-US" dirty="0">
+                <a:latin typeface="Helvetica" pitchFamily="2" charset="0"/>
+              </a:rPr>
+              <a:t>E3 </a:t>
+            </a:r>
+            <a:r>
+              <a:rPr lang="ru-RU" dirty="0">
+                <a:latin typeface="Helvetica" pitchFamily="2" charset="0"/>
+              </a:rPr>
+              <a:t>–</a:t>
+            </a:r>
+            <a:r>
+              <a:rPr lang="en-US" dirty="0">
+                <a:latin typeface="Helvetica" pitchFamily="2" charset="0"/>
+              </a:rPr>
+              <a:t> </a:t>
+            </a:r>
+            <a:r>
+              <a:rPr lang="ru-RU" dirty="0">
+                <a:latin typeface="Helvetica" pitchFamily="2" charset="0"/>
+              </a:rPr>
+              <a:t>Клиент/заказчик</a:t>
+            </a:r>
+          </a:p>
+          <a:p>
+            <a:r>
+              <a:rPr lang="en-US" dirty="0">
+                <a:latin typeface="Helvetica" pitchFamily="2" charset="0"/>
+              </a:rPr>
+              <a:t>E4</a:t>
+            </a:r>
+            <a:r>
+              <a:rPr lang="ru-RU" dirty="0">
+                <a:latin typeface="Helvetica" pitchFamily="2" charset="0"/>
+              </a:rPr>
+              <a:t> –</a:t>
+            </a:r>
+            <a:r>
+              <a:rPr lang="en-US" dirty="0">
+                <a:latin typeface="Helvetica" pitchFamily="2" charset="0"/>
+              </a:rPr>
+              <a:t> </a:t>
+            </a:r>
+            <a:r>
+              <a:rPr lang="ru-RU" dirty="0">
+                <a:latin typeface="Helvetica" pitchFamily="2" charset="0"/>
+              </a:rPr>
+              <a:t>Администратор системы</a:t>
+            </a:r>
+            <a:endParaRPr lang="ru-US" dirty="0">
+              <a:latin typeface="Helvetica" pitchFamily="2" charset="0"/>
+            </a:endParaRPr>
+          </a:p>
+        </p:txBody>
+      </p:sp>
       <p:pic>
         <p:nvPicPr>
-          <p:cNvPr id="5" name="Рисунок 4">
+          <p:cNvPr id="4" name="Рисунок 3">
             <a:extLst>
               <a:ext uri="{FF2B5EF4-FFF2-40B4-BE49-F238E27FC236}">
-                <a16:creationId xmlns:a16="http://schemas.microsoft.com/office/drawing/2014/main" id="{E3A6F5B3-3957-8BD6-D2EA-2E6D16F79E50}"/>
+                <a16:creationId xmlns:a16="http://schemas.microsoft.com/office/drawing/2014/main" id="{338B5F28-362F-CC62-EE3E-C1F3880856BA}"/>
               </a:ext>
             </a:extLst>
           </p:cNvPr>
@@ -5072,171 +5229,14 @@
         </p:blipFill>
         <p:spPr>
           <a:xfrm>
-            <a:off x="3158836" y="3153740"/>
-            <a:ext cx="5691739" cy="3403744"/>
+            <a:off x="3431569" y="3258958"/>
+            <a:ext cx="5419005" cy="3298525"/>
           </a:xfrm>
           <a:prstGeom prst="rect">
             <a:avLst/>
           </a:prstGeom>
         </p:spPr>
       </p:pic>
-      <p:sp>
-        <p:nvSpPr>
-          <p:cNvPr id="6" name="TextBox 5">
-            <a:extLst>
-              <a:ext uri="{FF2B5EF4-FFF2-40B4-BE49-F238E27FC236}">
-                <a16:creationId xmlns:a16="http://schemas.microsoft.com/office/drawing/2014/main" id="{9EEF7F1A-F2BE-A194-7B34-D4733546D8D4}"/>
-              </a:ext>
-            </a:extLst>
-          </p:cNvPr>
-          <p:cNvSpPr txBox="1"/>
-          <p:nvPr/>
-        </p:nvSpPr>
-        <p:spPr>
-          <a:xfrm>
-            <a:off x="457200" y="1298863"/>
-            <a:ext cx="7486345" cy="2031325"/>
-          </a:xfrm>
-          <a:prstGeom prst="rect">
-            <a:avLst/>
-          </a:prstGeom>
-          <a:noFill/>
-        </p:spPr>
-        <p:txBody>
-          <a:bodyPr wrap="none" rtlCol="0">
-            <a:spAutoFit/>
-          </a:bodyPr>
-          <a:lstStyle/>
-          <a:p>
-            <a:r>
-              <a:rPr lang="ru-RU" dirty="0">
-                <a:latin typeface="Helvetica" pitchFamily="2" charset="0"/>
-              </a:rPr>
-              <a:t>Основной процесс: Управлять запросами к архивным документам.</a:t>
-            </a:r>
-          </a:p>
-          <a:p>
-            <a:endParaRPr lang="ru-RU" dirty="0">
-              <a:latin typeface="Helvetica" pitchFamily="2" charset="0"/>
-            </a:endParaRPr>
-          </a:p>
-          <a:p>
-            <a:r>
-              <a:rPr lang="ru-RU" dirty="0">
-                <a:latin typeface="Helvetica" pitchFamily="2" charset="0"/>
-              </a:rPr>
-              <a:t>Внешние сущности:</a:t>
-            </a:r>
-          </a:p>
-          <a:p>
-            <a:r>
-              <a:rPr lang="en-US" dirty="0">
-                <a:latin typeface="Helvetica" pitchFamily="2" charset="0"/>
-              </a:rPr>
-              <a:t>E1 </a:t>
-            </a:r>
-            <a:r>
-              <a:rPr lang="ru-RU" dirty="0">
-                <a:latin typeface="Helvetica" pitchFamily="2" charset="0"/>
-              </a:rPr>
-              <a:t>–</a:t>
-            </a:r>
-            <a:r>
-              <a:rPr lang="en-US" dirty="0">
-                <a:latin typeface="Helvetica" pitchFamily="2" charset="0"/>
-              </a:rPr>
-              <a:t> </a:t>
-            </a:r>
-            <a:r>
-              <a:rPr lang="ru-RU" dirty="0">
-                <a:latin typeface="Helvetica" pitchFamily="2" charset="0"/>
-              </a:rPr>
-              <a:t>Сотрудник компании (инициатор)</a:t>
-            </a:r>
-          </a:p>
-          <a:p>
-            <a:r>
-              <a:rPr lang="en-US" dirty="0">
-                <a:latin typeface="Helvetica" pitchFamily="2" charset="0"/>
-              </a:rPr>
-              <a:t>E2 </a:t>
-            </a:r>
-            <a:r>
-              <a:rPr lang="ru-RU" dirty="0">
-                <a:latin typeface="Helvetica" pitchFamily="2" charset="0"/>
-              </a:rPr>
-              <a:t>–</a:t>
-            </a:r>
-            <a:r>
-              <a:rPr lang="en-US" dirty="0">
-                <a:latin typeface="Helvetica" pitchFamily="2" charset="0"/>
-              </a:rPr>
-              <a:t> </a:t>
-            </a:r>
-            <a:r>
-              <a:rPr lang="ru-RU" dirty="0">
-                <a:latin typeface="Helvetica" pitchFamily="2" charset="0"/>
-              </a:rPr>
-              <a:t>Служба архива</a:t>
-            </a:r>
-          </a:p>
-          <a:p>
-            <a:r>
-              <a:rPr lang="en-US" dirty="0">
-                <a:latin typeface="Helvetica" pitchFamily="2" charset="0"/>
-              </a:rPr>
-              <a:t>E3 </a:t>
-            </a:r>
-            <a:r>
-              <a:rPr lang="ru-RU" dirty="0">
-                <a:latin typeface="Helvetica" pitchFamily="2" charset="0"/>
-              </a:rPr>
-              <a:t>–</a:t>
-            </a:r>
-            <a:r>
-              <a:rPr lang="en-US" dirty="0">
-                <a:latin typeface="Helvetica" pitchFamily="2" charset="0"/>
-              </a:rPr>
-              <a:t> </a:t>
-            </a:r>
-            <a:r>
-              <a:rPr lang="ru-RU" dirty="0">
-                <a:latin typeface="Helvetica" pitchFamily="2" charset="0"/>
-              </a:rPr>
-              <a:t>Клиент/заказчик</a:t>
-            </a:r>
-          </a:p>
-          <a:p>
-            <a:r>
-              <a:rPr lang="en-US" dirty="0">
-                <a:latin typeface="Helvetica" pitchFamily="2" charset="0"/>
-              </a:rPr>
-              <a:t>E4</a:t>
-            </a:r>
-            <a:r>
-              <a:rPr lang="ru-RU" dirty="0">
-                <a:latin typeface="Helvetica" pitchFamily="2" charset="0"/>
-              </a:rPr>
-              <a:t> –</a:t>
-            </a:r>
-            <a:r>
-              <a:rPr lang="en-US" dirty="0">
-                <a:latin typeface="Helvetica" pitchFamily="2" charset="0"/>
-              </a:rPr>
-              <a:t> </a:t>
-            </a:r>
-            <a:r>
-              <a:rPr lang="ru-RU" dirty="0">
-                <a:latin typeface="Helvetica" pitchFamily="2" charset="0"/>
-              </a:rPr>
-              <a:t>Администратор системы</a:t>
-            </a:r>
-            <a:endParaRPr lang="ru-US" dirty="0">
-              <a:latin typeface="Helvetica" pitchFamily="2" charset="0"/>
-            </a:endParaRPr>
-          </a:p>
-        </p:txBody>
-      </p:sp>
     </p:spTree>
   </p:cSld>
   <p:clrMapOvr>
@@ -5323,10 +5323,10 @@
       </p:sp>
       <p:pic>
         <p:nvPicPr>
-          <p:cNvPr id="5" name="Рисунок 4">
+          <p:cNvPr id="7" name="Рисунок 6">
             <a:extLst>
               <a:ext uri="{FF2B5EF4-FFF2-40B4-BE49-F238E27FC236}">
-                <a16:creationId xmlns:a16="http://schemas.microsoft.com/office/drawing/2014/main" id="{642958DC-295D-DA92-87E5-F53477C4304E}"/>
+                <a16:creationId xmlns:a16="http://schemas.microsoft.com/office/drawing/2014/main" id="{2CBB396B-AA03-DB35-1828-8C9EF3158B94}"/>
               </a:ext>
             </a:extLst>
           </p:cNvPr>
@@ -5343,8 +5343,8 @@
         </p:blipFill>
         <p:spPr>
           <a:xfrm>
-            <a:off x="378512" y="1417638"/>
-            <a:ext cx="8386975" cy="5087071"/>
+            <a:off x="457200" y="1417638"/>
+            <a:ext cx="8229600" cy="5018300"/>
           </a:xfrm>
           <a:prstGeom prst="rect">
             <a:avLst/>
@@ -5420,7 +5420,7 @@
           <p:nvPr>
             <p:extLst>
               <p:ext uri="{D42A27DB-BD31-4B8C-83A1-F6EECF244321}">
-                <p14:modId xmlns:p14="http://schemas.microsoft.com/office/powerpoint/2010/main" val="688577095"/>
+                <p14:modId xmlns:p14="http://schemas.microsoft.com/office/powerpoint/2010/main" val="2043712339"/>
               </p:ext>
             </p:extLst>
           </p:nvPr>
@@ -5570,13 +5570,41 @@
                         </a:spcAft>
                       </a:pPr>
                       <a:r>
+                        <a:rPr lang="en-US" sz="1050" dirty="0">
+                          <a:effectLst/>
+                          <a:latin typeface="Helvetica" pitchFamily="2" charset="0"/>
+                        </a:rPr>
+                        <a:t>A1. </a:t>
+                      </a:r>
+                      <a:r>
+                        <a:rPr lang="ru-RU" sz="1050">
+                          <a:effectLst/>
+                          <a:latin typeface="Helvetica" pitchFamily="2" charset="0"/>
+                        </a:rPr>
+                        <a:t>Р</a:t>
+                      </a:r>
+                      <a:r>
                         <a:rPr lang="en-US" sz="1050">
                           <a:effectLst/>
                           <a:latin typeface="Helvetica" pitchFamily="2" charset="0"/>
                         </a:rPr>
-                        <a:t>A1. Зарегистрировать заявку</a:t>
-                      </a:r>
-                      <a:endParaRPr lang="ru-US" sz="1050">
+                        <a:t>егистрировать</a:t>
+                      </a:r>
+                      <a:r>
+                        <a:rPr lang="en-US" sz="1050" dirty="0">
+                          <a:effectLst/>
+                          <a:latin typeface="Helvetica" pitchFamily="2" charset="0"/>
+                        </a:rPr>
+                        <a:t> </a:t>
+                      </a:r>
+                      <a:r>
+                        <a:rPr lang="en-US" sz="1050" dirty="0" err="1">
+                          <a:effectLst/>
+                          <a:latin typeface="Helvetica" pitchFamily="2" charset="0"/>
+                        </a:rPr>
+                        <a:t>заявку</a:t>
+                      </a:r>
+                      <a:endParaRPr lang="ru-US" sz="1050" dirty="0">
                         <a:effectLst/>
                         <a:latin typeface="Helvetica" pitchFamily="2" charset="0"/>
                         <a:ea typeface="MS Mincho" panose="02020609040205080304" pitchFamily="49" charset="-128"/>

--- a/students/K3241/Marchenko_Vadim/LR_1/Презентация_АИС_Архив_Кнопка_DFD.pptx
+++ b/students/K3241/Marchenko_Vadim/LR_1/Презентация_АИС_Архив_Кнопка_DFD.pptx
@@ -5121,7 +5121,7 @@
               <a:rPr lang="ru-RU" dirty="0">
                 <a:latin typeface="Helvetica" pitchFamily="2" charset="0"/>
               </a:rPr>
-              <a:t>Сотрудник компании (инициатор)</a:t>
+              <a:t>Заказчик</a:t>
             </a:r>
           </a:p>
           <a:p>
@@ -5147,7 +5147,7 @@
               <a:rPr lang="ru-RU" dirty="0">
                 <a:latin typeface="Helvetica" pitchFamily="2" charset="0"/>
               </a:rPr>
-              <a:t>Служба архива</a:t>
+              <a:t>Диспетчер</a:t>
             </a:r>
           </a:p>
           <a:p>
@@ -5173,7 +5173,7 @@
               <a:rPr lang="ru-RU" dirty="0">
                 <a:latin typeface="Helvetica" pitchFamily="2" charset="0"/>
               </a:rPr>
-              <a:t>Клиент/заказчик</a:t>
+              <a:t>Генеральный директор</a:t>
             </a:r>
           </a:p>
           <a:p>
@@ -5196,10 +5196,10 @@
               <a:t> </a:t>
             </a:r>
             <a:r>
-              <a:rPr lang="ru-RU" dirty="0">
-                <a:latin typeface="Helvetica" pitchFamily="2" charset="0"/>
-              </a:rPr>
-              <a:t>Администратор системы</a:t>
+              <a:rPr lang="ru-RU">
+                <a:latin typeface="Helvetica" pitchFamily="2" charset="0"/>
+              </a:rPr>
+              <a:t>Бухгалтер</a:t>
             </a:r>
             <a:endParaRPr lang="ru-US" dirty="0">
               <a:latin typeface="Helvetica" pitchFamily="2" charset="0"/>
@@ -5323,10 +5323,10 @@
       </p:sp>
       <p:pic>
         <p:nvPicPr>
-          <p:cNvPr id="7" name="Рисунок 6">
+          <p:cNvPr id="4" name="Рисунок 3">
             <a:extLst>
               <a:ext uri="{FF2B5EF4-FFF2-40B4-BE49-F238E27FC236}">
-                <a16:creationId xmlns:a16="http://schemas.microsoft.com/office/drawing/2014/main" id="{2CBB396B-AA03-DB35-1828-8C9EF3158B94}"/>
+                <a16:creationId xmlns:a16="http://schemas.microsoft.com/office/drawing/2014/main" id="{CF7801EE-9636-6B88-E8CF-6942407F0938}"/>
               </a:ext>
             </a:extLst>
           </p:cNvPr>
@@ -5343,8 +5343,8 @@
         </p:blipFill>
         <p:spPr>
           <a:xfrm>
-            <a:off x="457200" y="1417638"/>
-            <a:ext cx="8229600" cy="5018300"/>
+            <a:off x="478399" y="1359581"/>
+            <a:ext cx="8208401" cy="5018300"/>
           </a:xfrm>
           <a:prstGeom prst="rect">
             <a:avLst/>

--- a/students/K3241/Marchenko_Vadim/LR_1/Презентация_АИС_Архив_Кнопка_DFD.pptx
+++ b/students/K3241/Marchenko_Vadim/LR_1/Презентация_АИС_Архив_Кнопка_DFD.pptx
@@ -12,9 +12,9 @@
     <p:sldId id="257" r:id="rId3"/>
     <p:sldId id="258" r:id="rId4"/>
     <p:sldId id="259" r:id="rId5"/>
-    <p:sldId id="260" r:id="rId6"/>
-    <p:sldId id="261" r:id="rId7"/>
-    <p:sldId id="262" r:id="rId8"/>
+    <p:sldId id="262" r:id="rId6"/>
+    <p:sldId id="260" r:id="rId7"/>
+    <p:sldId id="261" r:id="rId8"/>
     <p:sldId id="264" r:id="rId9"/>
     <p:sldId id="265" r:id="rId10"/>
   </p:sldIdLst>
@@ -216,7 +216,7 @@
           <a:p>
             <a:fld id="{4894BE7D-1DFF-524D-804B-495704964DCC}" type="datetimeFigureOut">
               <a:rPr lang="ru-US" smtClean="0"/>
-              <a:t>2/19/26</a:t>
+              <a:t>2/22/26</a:t>
             </a:fld>
             <a:endParaRPr lang="ru-US"/>
           </a:p>
@@ -1013,7 +1013,7 @@
           <a:p>
             <a:fld id="{5BCAD085-E8A6-8845-BD4E-CB4CCA059FC4}" type="datetimeFigureOut">
               <a:rPr lang="en-US" smtClean="0"/>
-              <a:t>2/19/26</a:t>
+              <a:t>2/22/26</a:t>
             </a:fld>
             <a:endParaRPr lang="en-US"/>
           </a:p>
@@ -1181,7 +1181,7 @@
           <a:p>
             <a:fld id="{5BCAD085-E8A6-8845-BD4E-CB4CCA059FC4}" type="datetimeFigureOut">
               <a:rPr lang="en-US" smtClean="0"/>
-              <a:t>2/19/26</a:t>
+              <a:t>2/22/26</a:t>
             </a:fld>
             <a:endParaRPr lang="en-US"/>
           </a:p>
@@ -1359,7 +1359,7 @@
           <a:p>
             <a:fld id="{5BCAD085-E8A6-8845-BD4E-CB4CCA059FC4}" type="datetimeFigureOut">
               <a:rPr lang="en-US" smtClean="0"/>
-              <a:t>2/19/26</a:t>
+              <a:t>2/22/26</a:t>
             </a:fld>
             <a:endParaRPr lang="en-US"/>
           </a:p>
@@ -1527,7 +1527,7 @@
           <a:p>
             <a:fld id="{5BCAD085-E8A6-8845-BD4E-CB4CCA059FC4}" type="datetimeFigureOut">
               <a:rPr lang="en-US" smtClean="0"/>
-              <a:t>2/19/26</a:t>
+              <a:t>2/22/26</a:t>
             </a:fld>
             <a:endParaRPr lang="en-US"/>
           </a:p>
@@ -1772,7 +1772,7 @@
           <a:p>
             <a:fld id="{5BCAD085-E8A6-8845-BD4E-CB4CCA059FC4}" type="datetimeFigureOut">
               <a:rPr lang="en-US" smtClean="0"/>
-              <a:t>2/19/26</a:t>
+              <a:t>2/22/26</a:t>
             </a:fld>
             <a:endParaRPr lang="en-US"/>
           </a:p>
@@ -2057,7 +2057,7 @@
           <a:p>
             <a:fld id="{5BCAD085-E8A6-8845-BD4E-CB4CCA059FC4}" type="datetimeFigureOut">
               <a:rPr lang="en-US" smtClean="0"/>
-              <a:t>2/19/26</a:t>
+              <a:t>2/22/26</a:t>
             </a:fld>
             <a:endParaRPr lang="en-US"/>
           </a:p>
@@ -2476,7 +2476,7 @@
           <a:p>
             <a:fld id="{5BCAD085-E8A6-8845-BD4E-CB4CCA059FC4}" type="datetimeFigureOut">
               <a:rPr lang="en-US" smtClean="0"/>
-              <a:t>2/19/26</a:t>
+              <a:t>2/22/26</a:t>
             </a:fld>
             <a:endParaRPr lang="en-US"/>
           </a:p>
@@ -2593,7 +2593,7 @@
           <a:p>
             <a:fld id="{5BCAD085-E8A6-8845-BD4E-CB4CCA059FC4}" type="datetimeFigureOut">
               <a:rPr lang="en-US" smtClean="0"/>
-              <a:t>2/19/26</a:t>
+              <a:t>2/22/26</a:t>
             </a:fld>
             <a:endParaRPr lang="en-US"/>
           </a:p>
@@ -2688,7 +2688,7 @@
           <a:p>
             <a:fld id="{5BCAD085-E8A6-8845-BD4E-CB4CCA059FC4}" type="datetimeFigureOut">
               <a:rPr lang="en-US" smtClean="0"/>
-              <a:t>2/19/26</a:t>
+              <a:t>2/22/26</a:t>
             </a:fld>
             <a:endParaRPr lang="en-US"/>
           </a:p>
@@ -2963,7 +2963,7 @@
           <a:p>
             <a:fld id="{5BCAD085-E8A6-8845-BD4E-CB4CCA059FC4}" type="datetimeFigureOut">
               <a:rPr lang="en-US" smtClean="0"/>
-              <a:t>2/19/26</a:t>
+              <a:t>2/22/26</a:t>
             </a:fld>
             <a:endParaRPr lang="en-US"/>
           </a:p>
@@ -3215,7 +3215,7 @@
           <a:p>
             <a:fld id="{5BCAD085-E8A6-8845-BD4E-CB4CCA059FC4}" type="datetimeFigureOut">
               <a:rPr lang="en-US" smtClean="0"/>
-              <a:t>2/19/26</a:t>
+              <a:t>2/22/26</a:t>
             </a:fld>
             <a:endParaRPr lang="en-US"/>
           </a:p>
@@ -3426,7 +3426,7 @@
           <a:p>
             <a:fld id="{5BCAD085-E8A6-8845-BD4E-CB4CCA059FC4}" type="datetimeFigureOut">
               <a:rPr lang="en-US" smtClean="0"/>
-              <a:t>2/19/26</a:t>
+              <a:t>2/22/26</a:t>
             </a:fld>
             <a:endParaRPr lang="en-US"/>
           </a:p>
@@ -5019,224 +5019,1413 @@
         <p:spPr/>
         <p:txBody>
           <a:bodyPr>
-            <a:normAutofit/>
+            <a:noAutofit/>
           </a:bodyPr>
           <a:lstStyle/>
           <a:p>
             <a:r>
-              <a:rPr sz="4000" dirty="0" err="1">
-                <a:latin typeface="Helvetica" pitchFamily="2" charset="0"/>
-              </a:rPr>
-              <a:t>Контекстная</a:t>
-            </a:r>
-            <a:r>
-              <a:rPr sz="4000" dirty="0">
-                <a:latin typeface="Helvetica" pitchFamily="2" charset="0"/>
-              </a:rPr>
-              <a:t> </a:t>
-            </a:r>
-            <a:r>
-              <a:rPr sz="4000" dirty="0" err="1">
-                <a:latin typeface="Helvetica" pitchFamily="2" charset="0"/>
-              </a:rPr>
-              <a:t>диаграмма</a:t>
-            </a:r>
-            <a:r>
-              <a:rPr sz="4000" dirty="0">
-                <a:latin typeface="Helvetica" pitchFamily="2" charset="0"/>
-              </a:rPr>
-              <a:t> (A-0)</a:t>
-            </a:r>
-          </a:p>
-        </p:txBody>
-      </p:sp>
-      <p:sp>
-        <p:nvSpPr>
-          <p:cNvPr id="6" name="TextBox 5">
+              <a:rPr lang="ru-RU" sz="3600" dirty="0">
+                <a:latin typeface="Helvetica" pitchFamily="2" charset="0"/>
+              </a:rPr>
+              <a:t>Анализ процессов и матрица событий</a:t>
+            </a:r>
+            <a:endParaRPr sz="3600" dirty="0">
+              <a:latin typeface="Helvetica" pitchFamily="2" charset="0"/>
+            </a:endParaRPr>
+          </a:p>
+        </p:txBody>
+      </p:sp>
+      <p:graphicFrame>
+        <p:nvGraphicFramePr>
+          <p:cNvPr id="3" name="Таблица 2">
             <a:extLst>
               <a:ext uri="{FF2B5EF4-FFF2-40B4-BE49-F238E27FC236}">
-                <a16:creationId xmlns:a16="http://schemas.microsoft.com/office/drawing/2014/main" id="{9EEF7F1A-F2BE-A194-7B34-D4733546D8D4}"/>
+                <a16:creationId xmlns:a16="http://schemas.microsoft.com/office/drawing/2014/main" id="{AF6C7CB4-EA3A-513E-F09F-CCA0AE21E55B}"/>
               </a:ext>
             </a:extLst>
           </p:cNvPr>
-          <p:cNvSpPr txBox="1"/>
+          <p:cNvGraphicFramePr>
+            <a:graphicFrameLocks noGrp="1"/>
+          </p:cNvGraphicFramePr>
+          <p:nvPr>
+            <p:extLst>
+              <p:ext uri="{D42A27DB-BD31-4B8C-83A1-F6EECF244321}">
+                <p14:modId xmlns:p14="http://schemas.microsoft.com/office/powerpoint/2010/main" val="1860727827"/>
+              </p:ext>
+            </p:extLst>
+          </p:nvPr>
+        </p:nvGraphicFramePr>
+        <p:xfrm>
+          <a:off x="457200" y="1411377"/>
+          <a:ext cx="8229600" cy="4802072"/>
+        </p:xfrm>
+        <a:graphic>
+          <a:graphicData uri="http://schemas.openxmlformats.org/drawingml/2006/table">
+            <a:tbl>
+              <a:tblPr firstRow="1" firstCol="1" bandRow="1">
+                <a:tableStyleId>{5C22544A-7EE6-4342-B048-85BDC9FD1C3A}</a:tableStyleId>
+              </a:tblPr>
+              <a:tblGrid>
+                <a:gridCol w="2743200">
+                  <a:extLst>
+                    <a:ext uri="{9D8B030D-6E8A-4147-A177-3AD203B41FA5}">
+                      <a16:colId xmlns:a16="http://schemas.microsoft.com/office/drawing/2014/main" val="3706254315"/>
+                    </a:ext>
+                  </a:extLst>
+                </a:gridCol>
+                <a:gridCol w="2743200">
+                  <a:extLst>
+                    <a:ext uri="{9D8B030D-6E8A-4147-A177-3AD203B41FA5}">
+                      <a16:colId xmlns:a16="http://schemas.microsoft.com/office/drawing/2014/main" val="1087435870"/>
+                    </a:ext>
+                  </a:extLst>
+                </a:gridCol>
+                <a:gridCol w="2743200">
+                  <a:extLst>
+                    <a:ext uri="{9D8B030D-6E8A-4147-A177-3AD203B41FA5}">
+                      <a16:colId xmlns:a16="http://schemas.microsoft.com/office/drawing/2014/main" val="926600234"/>
+                    </a:ext>
+                  </a:extLst>
+                </a:gridCol>
+              </a:tblGrid>
+              <a:tr h="232065">
+                <a:tc>
+                  <a:txBody>
+                    <a:bodyPr/>
+                    <a:lstStyle/>
+                    <a:p>
+                      <a:pPr algn="ctr">
+                        <a:lnSpc>
+                          <a:spcPct val="115000"/>
+                        </a:lnSpc>
+                        <a:spcAft>
+                          <a:spcPts val="1000"/>
+                        </a:spcAft>
+                      </a:pPr>
+                      <a:r>
+                        <a:rPr lang="en-US" sz="1200" dirty="0" err="1">
+                          <a:effectLst/>
+                        </a:rPr>
+                        <a:t>Процесс</a:t>
+                      </a:r>
+                      <a:endParaRPr lang="ru-US" sz="1200" dirty="0">
+                        <a:effectLst/>
+                        <a:latin typeface="Cambria" panose="02040503050406030204" pitchFamily="18" charset="0"/>
+                        <a:ea typeface="MS Mincho" panose="02020609040205080304" pitchFamily="49" charset="-128"/>
+                        <a:cs typeface="Times New Roman" panose="02020603050405020304" pitchFamily="18" charset="0"/>
+                      </a:endParaRPr>
+                    </a:p>
+                  </a:txBody>
+                  <a:tcPr marL="49407" marR="49407" marT="39525" marB="39525" anchor="ctr"/>
+                </a:tc>
+                <a:tc>
+                  <a:txBody>
+                    <a:bodyPr/>
+                    <a:lstStyle/>
+                    <a:p>
+                      <a:pPr algn="ctr">
+                        <a:lnSpc>
+                          <a:spcPct val="115000"/>
+                        </a:lnSpc>
+                        <a:spcAft>
+                          <a:spcPts val="1000"/>
+                        </a:spcAft>
+                      </a:pPr>
+                      <a:r>
+                        <a:rPr lang="en-US" sz="1200">
+                          <a:effectLst/>
+                        </a:rPr>
+                        <a:t>Входные потоки (откуда)</a:t>
+                      </a:r>
+                      <a:endParaRPr lang="ru-US" sz="1200">
+                        <a:effectLst/>
+                        <a:latin typeface="Cambria" panose="02040503050406030204" pitchFamily="18" charset="0"/>
+                        <a:ea typeface="MS Mincho" panose="02020609040205080304" pitchFamily="49" charset="-128"/>
+                        <a:cs typeface="Times New Roman" panose="02020603050405020304" pitchFamily="18" charset="0"/>
+                      </a:endParaRPr>
+                    </a:p>
+                  </a:txBody>
+                  <a:tcPr marL="49407" marR="49407" marT="39525" marB="39525" anchor="ctr"/>
+                </a:tc>
+                <a:tc>
+                  <a:txBody>
+                    <a:bodyPr/>
+                    <a:lstStyle/>
+                    <a:p>
+                      <a:pPr algn="ctr">
+                        <a:lnSpc>
+                          <a:spcPct val="115000"/>
+                        </a:lnSpc>
+                        <a:spcAft>
+                          <a:spcPts val="1000"/>
+                        </a:spcAft>
+                      </a:pPr>
+                      <a:r>
+                        <a:rPr lang="en-US" sz="1200">
+                          <a:effectLst/>
+                        </a:rPr>
+                        <a:t>Выходные потоки (куда)</a:t>
+                      </a:r>
+                      <a:endParaRPr lang="ru-US" sz="1200">
+                        <a:effectLst/>
+                        <a:latin typeface="Cambria" panose="02040503050406030204" pitchFamily="18" charset="0"/>
+                        <a:ea typeface="MS Mincho" panose="02020609040205080304" pitchFamily="49" charset="-128"/>
+                        <a:cs typeface="Times New Roman" panose="02020603050405020304" pitchFamily="18" charset="0"/>
+                      </a:endParaRPr>
+                    </a:p>
+                  </a:txBody>
+                  <a:tcPr marL="49407" marR="49407" marT="39525" marB="39525" anchor="ctr"/>
+                </a:tc>
+                <a:extLst>
+                  <a:ext uri="{0D108BD9-81ED-4DB2-BD59-A6C34878D82A}">
+                    <a16:rowId xmlns:a16="http://schemas.microsoft.com/office/drawing/2014/main" val="1473467635"/>
+                  </a:ext>
+                </a:extLst>
+              </a:tr>
+              <a:tr h="897671">
+                <a:tc>
+                  <a:txBody>
+                    <a:bodyPr/>
+                    <a:lstStyle/>
+                    <a:p>
+                      <a:pPr>
+                        <a:lnSpc>
+                          <a:spcPct val="115000"/>
+                        </a:lnSpc>
+                        <a:spcAft>
+                          <a:spcPts val="1000"/>
+                        </a:spcAft>
+                      </a:pPr>
+                      <a:r>
+                        <a:rPr lang="en-US" sz="1200" dirty="0">
+                          <a:effectLst/>
+                        </a:rPr>
+                        <a:t>A1. </a:t>
+                      </a:r>
+                      <a:r>
+                        <a:rPr lang="en-US" sz="1200" dirty="0" err="1">
+                          <a:effectLst/>
+                        </a:rPr>
+                        <a:t>Регистрировать</a:t>
+                      </a:r>
+                      <a:r>
+                        <a:rPr lang="en-US" sz="1200" dirty="0">
+                          <a:effectLst/>
+                        </a:rPr>
+                        <a:t> </a:t>
+                      </a:r>
+                      <a:r>
+                        <a:rPr lang="en-US" sz="1200" dirty="0" err="1">
+                          <a:effectLst/>
+                        </a:rPr>
+                        <a:t>заявку</a:t>
+                      </a:r>
+                      <a:endParaRPr lang="ru-US" sz="1200" dirty="0">
+                        <a:effectLst/>
+                        <a:latin typeface="Cambria" panose="02040503050406030204" pitchFamily="18" charset="0"/>
+                        <a:ea typeface="MS Mincho" panose="02020609040205080304" pitchFamily="49" charset="-128"/>
+                        <a:cs typeface="Times New Roman" panose="02020603050405020304" pitchFamily="18" charset="0"/>
+                      </a:endParaRPr>
+                    </a:p>
+                  </a:txBody>
+                  <a:tcPr marL="49407" marR="49407" marT="39525" marB="39525" anchor="ctr"/>
+                </a:tc>
+                <a:tc>
+                  <a:txBody>
+                    <a:bodyPr/>
+                    <a:lstStyle/>
+                    <a:p>
+                      <a:pPr marL="0" indent="0">
+                        <a:lnSpc>
+                          <a:spcPct val="115000"/>
+                        </a:lnSpc>
+                        <a:spcAft>
+                          <a:spcPts val="1000"/>
+                        </a:spcAft>
+                        <a:buFont typeface="Arial" panose="020B0604020202020204" pitchFamily="34" charset="0"/>
+                        <a:buNone/>
+                      </a:pPr>
+                      <a:r>
+                        <a:rPr lang="en-US" sz="1200" dirty="0" err="1">
+                          <a:effectLst/>
+                        </a:rPr>
+                        <a:t>Заявка</a:t>
+                      </a:r>
+                      <a:r>
+                        <a:rPr lang="en-US" sz="1200" dirty="0">
+                          <a:effectLst/>
+                        </a:rPr>
+                        <a:t>/</a:t>
+                      </a:r>
+                      <a:r>
+                        <a:rPr lang="en-US" sz="1200" dirty="0" err="1">
+                          <a:effectLst/>
+                        </a:rPr>
+                        <a:t>запрос</a:t>
+                      </a:r>
+                      <a:r>
+                        <a:rPr lang="en-US" sz="1200" dirty="0">
+                          <a:effectLst/>
+                        </a:rPr>
+                        <a:t>/</a:t>
+                      </a:r>
+                      <a:r>
+                        <a:rPr lang="en-US" sz="1200" dirty="0" err="1">
+                          <a:effectLst/>
+                        </a:rPr>
+                        <a:t>оплата</a:t>
+                      </a:r>
+                      <a:r>
+                        <a:rPr lang="en-US" sz="1200" dirty="0">
+                          <a:effectLst/>
+                        </a:rPr>
+                        <a:t> </a:t>
+                      </a:r>
+                      <a:r>
+                        <a:rPr lang="en-US" sz="1200" dirty="0" err="1">
+                          <a:effectLst/>
+                        </a:rPr>
+                        <a:t>Регистрация</a:t>
+                      </a:r>
+                      <a:r>
+                        <a:rPr lang="en-US" sz="1200" dirty="0">
+                          <a:effectLst/>
+                        </a:rPr>
+                        <a:t>/</a:t>
+                      </a:r>
+                      <a:r>
+                        <a:rPr lang="en-US" sz="1200" dirty="0" err="1">
+                          <a:effectLst/>
+                        </a:rPr>
+                        <a:t>поручения</a:t>
+                      </a:r>
+                      <a:endParaRPr lang="ru-US" sz="1200" dirty="0">
+                        <a:effectLst/>
+                        <a:latin typeface="Cambria" panose="02040503050406030204" pitchFamily="18" charset="0"/>
+                        <a:ea typeface="MS Mincho" panose="02020609040205080304" pitchFamily="49" charset="-128"/>
+                        <a:cs typeface="Times New Roman" panose="02020603050405020304" pitchFamily="18" charset="0"/>
+                      </a:endParaRPr>
+                    </a:p>
+                  </a:txBody>
+                  <a:tcPr marL="49407" marR="49407" marT="39525" marB="39525"/>
+                </a:tc>
+                <a:tc>
+                  <a:txBody>
+                    <a:bodyPr/>
+                    <a:lstStyle/>
+                    <a:p>
+                      <a:pPr>
+                        <a:lnSpc>
+                          <a:spcPct val="115000"/>
+                        </a:lnSpc>
+                        <a:spcAft>
+                          <a:spcPts val="1000"/>
+                        </a:spcAft>
+                      </a:pPr>
+                      <a:r>
+                        <a:rPr lang="en-US" sz="1200" dirty="0" err="1">
+                          <a:effectLst/>
+                        </a:rPr>
+                        <a:t>Карточка</a:t>
+                      </a:r>
+                      <a:r>
+                        <a:rPr lang="en-US" sz="1200" dirty="0">
+                          <a:effectLst/>
+                        </a:rPr>
+                        <a:t>/</a:t>
+                      </a:r>
+                      <a:r>
+                        <a:rPr lang="en-US" sz="1200">
+                          <a:effectLst/>
+                        </a:rPr>
+                        <a:t>статус</a:t>
+                      </a:r>
+                      <a:br>
+                        <a:rPr lang="ru-US" sz="1200" dirty="0">
+                          <a:effectLst/>
+                        </a:rPr>
+                      </a:br>
+                      <a:r>
+                        <a:rPr lang="en-US" sz="1200" dirty="0" err="1">
+                          <a:effectLst/>
+                        </a:rPr>
+                        <a:t>Требования</a:t>
+                      </a:r>
+                      <a:r>
+                        <a:rPr lang="en-US" sz="1200" dirty="0">
+                          <a:effectLst/>
+                        </a:rPr>
+                        <a:t> </a:t>
+                      </a:r>
+                      <a:r>
+                        <a:rPr lang="en-US" sz="1200" dirty="0" err="1">
+                          <a:effectLst/>
+                        </a:rPr>
+                        <a:t>на</a:t>
+                      </a:r>
+                      <a:r>
+                        <a:rPr lang="en-US" sz="1200" dirty="0">
+                          <a:effectLst/>
+                        </a:rPr>
+                        <a:t> </a:t>
+                      </a:r>
+                      <a:r>
+                        <a:rPr lang="en-US" sz="1200" dirty="0" err="1">
+                          <a:effectLst/>
+                        </a:rPr>
+                        <a:t>расчет</a:t>
+                      </a:r>
+                      <a:r>
+                        <a:rPr lang="en-US" sz="1200" dirty="0">
+                          <a:effectLst/>
+                        </a:rPr>
+                        <a:t> </a:t>
+                      </a:r>
+                      <a:br>
+                        <a:rPr lang="ru-US" sz="1200" dirty="0">
+                          <a:effectLst/>
+                        </a:rPr>
+                      </a:br>
+                      <a:r>
+                        <a:rPr lang="en-US" sz="1200" dirty="0" err="1">
+                          <a:effectLst/>
+                        </a:rPr>
+                        <a:t>Запись</a:t>
+                      </a:r>
+                      <a:r>
+                        <a:rPr lang="en-US" sz="1200" dirty="0">
+                          <a:effectLst/>
+                        </a:rPr>
+                        <a:t> </a:t>
+                      </a:r>
+                      <a:r>
+                        <a:rPr lang="en-US" sz="1200" dirty="0" err="1">
+                          <a:effectLst/>
+                        </a:rPr>
+                        <a:t>в</a:t>
+                      </a:r>
+                      <a:r>
+                        <a:rPr lang="en-US" sz="1200" dirty="0">
+                          <a:effectLst/>
+                        </a:rPr>
+                        <a:t> </a:t>
+                      </a:r>
+                      <a:r>
+                        <a:rPr lang="en-US" sz="1200" dirty="0" err="1">
+                          <a:effectLst/>
+                        </a:rPr>
+                        <a:t>реестр</a:t>
+                      </a:r>
+                      <a:r>
+                        <a:rPr lang="en-US" sz="1200" dirty="0">
+                          <a:effectLst/>
+                        </a:rPr>
+                        <a:t> </a:t>
+                      </a:r>
+                      <a:r>
+                        <a:rPr lang="en-US" sz="1200" dirty="0" err="1">
+                          <a:effectLst/>
+                        </a:rPr>
+                        <a:t>заявок</a:t>
+                      </a:r>
+                      <a:endParaRPr lang="ru-US" sz="1200" dirty="0">
+                        <a:effectLst/>
+                        <a:latin typeface="Cambria" panose="02040503050406030204" pitchFamily="18" charset="0"/>
+                        <a:ea typeface="MS Mincho" panose="02020609040205080304" pitchFamily="49" charset="-128"/>
+                        <a:cs typeface="Times New Roman" panose="02020603050405020304" pitchFamily="18" charset="0"/>
+                      </a:endParaRPr>
+                    </a:p>
+                  </a:txBody>
+                  <a:tcPr marL="49407" marR="49407" marT="39525" marB="39525"/>
+                </a:tc>
+                <a:extLst>
+                  <a:ext uri="{0D108BD9-81ED-4DB2-BD59-A6C34878D82A}">
+                    <a16:rowId xmlns:a16="http://schemas.microsoft.com/office/drawing/2014/main" val="3478319804"/>
+                  </a:ext>
+                </a:extLst>
+              </a:tr>
+              <a:tr h="626596">
+                <a:tc>
+                  <a:txBody>
+                    <a:bodyPr/>
+                    <a:lstStyle/>
+                    <a:p>
+                      <a:pPr>
+                        <a:lnSpc>
+                          <a:spcPct val="115000"/>
+                        </a:lnSpc>
+                        <a:spcAft>
+                          <a:spcPts val="1000"/>
+                        </a:spcAft>
+                      </a:pPr>
+                      <a:r>
+                        <a:rPr lang="en-US" sz="1200">
+                          <a:effectLst/>
+                        </a:rPr>
+                        <a:t>A2. Рассчитывать и согласовывать условия</a:t>
+                      </a:r>
+                      <a:endParaRPr lang="ru-US" sz="1200">
+                        <a:effectLst/>
+                        <a:latin typeface="Cambria" panose="02040503050406030204" pitchFamily="18" charset="0"/>
+                        <a:ea typeface="MS Mincho" panose="02020609040205080304" pitchFamily="49" charset="-128"/>
+                        <a:cs typeface="Times New Roman" panose="02020603050405020304" pitchFamily="18" charset="0"/>
+                      </a:endParaRPr>
+                    </a:p>
+                  </a:txBody>
+                  <a:tcPr marL="49407" marR="49407" marT="39525" marB="39525" anchor="ctr"/>
+                </a:tc>
+                <a:tc>
+                  <a:txBody>
+                    <a:bodyPr/>
+                    <a:lstStyle/>
+                    <a:p>
+                      <a:pPr>
+                        <a:lnSpc>
+                          <a:spcPct val="115000"/>
+                        </a:lnSpc>
+                        <a:spcAft>
+                          <a:spcPts val="1000"/>
+                        </a:spcAft>
+                      </a:pPr>
+                      <a:r>
+                        <a:rPr lang="en-US" sz="1200" dirty="0" err="1">
+                          <a:effectLst/>
+                        </a:rPr>
+                        <a:t>Требования</a:t>
+                      </a:r>
+                      <a:r>
+                        <a:rPr lang="en-US" sz="1200" dirty="0">
+                          <a:effectLst/>
+                        </a:rPr>
+                        <a:t> </a:t>
+                      </a:r>
+                      <a:r>
+                        <a:rPr lang="en-US" sz="1200" dirty="0" err="1">
+                          <a:effectLst/>
+                        </a:rPr>
+                        <a:t>на</a:t>
+                      </a:r>
+                      <a:r>
+                        <a:rPr lang="en-US" sz="1200" dirty="0">
+                          <a:effectLst/>
+                        </a:rPr>
+                        <a:t> </a:t>
+                      </a:r>
+                      <a:r>
+                        <a:rPr lang="en-US" sz="1200" dirty="0" err="1">
+                          <a:effectLst/>
+                        </a:rPr>
+                        <a:t>расчет</a:t>
+                      </a:r>
+                      <a:br>
+                        <a:rPr lang="ru-US" sz="1200" dirty="0">
+                          <a:effectLst/>
+                        </a:rPr>
+                      </a:br>
+                      <a:r>
+                        <a:rPr lang="en-US" sz="1200" dirty="0" err="1">
+                          <a:effectLst/>
+                        </a:rPr>
+                        <a:t>Утверждения</a:t>
+                      </a:r>
+                      <a:r>
+                        <a:rPr lang="en-US" sz="1200" dirty="0">
+                          <a:effectLst/>
+                        </a:rPr>
+                        <a:t>/</a:t>
+                      </a:r>
+                      <a:r>
+                        <a:rPr lang="en-US" sz="1200" dirty="0" err="1">
+                          <a:effectLst/>
+                        </a:rPr>
+                        <a:t>политики</a:t>
+                      </a:r>
+                      <a:endParaRPr lang="ru-US" sz="1200" dirty="0">
+                        <a:effectLst/>
+                        <a:latin typeface="Cambria" panose="02040503050406030204" pitchFamily="18" charset="0"/>
+                        <a:ea typeface="MS Mincho" panose="02020609040205080304" pitchFamily="49" charset="-128"/>
+                        <a:cs typeface="Times New Roman" panose="02020603050405020304" pitchFamily="18" charset="0"/>
+                      </a:endParaRPr>
+                    </a:p>
+                  </a:txBody>
+                  <a:tcPr marL="49407" marR="49407" marT="39525" marB="39525"/>
+                </a:tc>
+                <a:tc>
+                  <a:txBody>
+                    <a:bodyPr/>
+                    <a:lstStyle/>
+                    <a:p>
+                      <a:pPr>
+                        <a:lnSpc>
+                          <a:spcPct val="115000"/>
+                        </a:lnSpc>
+                        <a:spcAft>
+                          <a:spcPts val="1000"/>
+                        </a:spcAft>
+                      </a:pPr>
+                      <a:r>
+                        <a:rPr lang="en-US" sz="1200" dirty="0" err="1">
+                          <a:effectLst/>
+                        </a:rPr>
+                        <a:t>Утвержденные</a:t>
+                      </a:r>
+                      <a:r>
+                        <a:rPr lang="en-US" sz="1200" dirty="0">
+                          <a:effectLst/>
+                        </a:rPr>
+                        <a:t> </a:t>
+                      </a:r>
+                      <a:r>
+                        <a:rPr lang="en-US" sz="1200" dirty="0" err="1">
+                          <a:effectLst/>
+                        </a:rPr>
+                        <a:t>условия</a:t>
+                      </a:r>
+                      <a:endParaRPr lang="ru-US" sz="1200" dirty="0">
+                        <a:effectLst/>
+                        <a:latin typeface="Cambria" panose="02040503050406030204" pitchFamily="18" charset="0"/>
+                        <a:ea typeface="MS Mincho" panose="02020609040205080304" pitchFamily="49" charset="-128"/>
+                        <a:cs typeface="Times New Roman" panose="02020603050405020304" pitchFamily="18" charset="0"/>
+                      </a:endParaRPr>
+                    </a:p>
+                  </a:txBody>
+                  <a:tcPr marL="49407" marR="49407" marT="39525" marB="39525"/>
+                </a:tc>
+                <a:extLst>
+                  <a:ext uri="{0D108BD9-81ED-4DB2-BD59-A6C34878D82A}">
+                    <a16:rowId xmlns:a16="http://schemas.microsoft.com/office/drawing/2014/main" val="1064097877"/>
+                  </a:ext>
+                </a:extLst>
+              </a:tr>
+              <a:tr h="849315">
+                <a:tc>
+                  <a:txBody>
+                    <a:bodyPr/>
+                    <a:lstStyle/>
+                    <a:p>
+                      <a:pPr>
+                        <a:lnSpc>
+                          <a:spcPct val="115000"/>
+                        </a:lnSpc>
+                        <a:spcAft>
+                          <a:spcPts val="1000"/>
+                        </a:spcAft>
+                      </a:pPr>
+                      <a:r>
+                        <a:rPr lang="en-US" sz="1200">
+                          <a:effectLst/>
+                        </a:rPr>
+                        <a:t>A3. Оформлять договор и принимать оплату</a:t>
+                      </a:r>
+                      <a:endParaRPr lang="ru-US" sz="1200">
+                        <a:effectLst/>
+                        <a:latin typeface="Cambria" panose="02040503050406030204" pitchFamily="18" charset="0"/>
+                        <a:ea typeface="MS Mincho" panose="02020609040205080304" pitchFamily="49" charset="-128"/>
+                        <a:cs typeface="Times New Roman" panose="02020603050405020304" pitchFamily="18" charset="0"/>
+                      </a:endParaRPr>
+                    </a:p>
+                  </a:txBody>
+                  <a:tcPr marL="49407" marR="49407" marT="39525" marB="39525" anchor="ctr"/>
+                </a:tc>
+                <a:tc>
+                  <a:txBody>
+                    <a:bodyPr/>
+                    <a:lstStyle/>
+                    <a:p>
+                      <a:pPr>
+                        <a:lnSpc>
+                          <a:spcPct val="115000"/>
+                        </a:lnSpc>
+                        <a:spcAft>
+                          <a:spcPts val="1000"/>
+                        </a:spcAft>
+                      </a:pPr>
+                      <a:r>
+                        <a:rPr lang="en-US" sz="1200" dirty="0" err="1">
+                          <a:effectLst/>
+                        </a:rPr>
+                        <a:t>Утвержденные</a:t>
+                      </a:r>
+                      <a:r>
+                        <a:rPr lang="en-US" sz="1200" dirty="0">
+                          <a:effectLst/>
+                        </a:rPr>
+                        <a:t> </a:t>
+                      </a:r>
+                      <a:r>
+                        <a:rPr lang="en-US" sz="1200" dirty="0" err="1">
+                          <a:effectLst/>
+                        </a:rPr>
+                        <a:t>условия</a:t>
+                      </a:r>
+                      <a:br>
+                        <a:rPr lang="en-US" sz="1200" dirty="0">
+                          <a:effectLst/>
+                        </a:rPr>
+                      </a:br>
+                      <a:r>
+                        <a:rPr lang="en-US" sz="1200" dirty="0" err="1">
+                          <a:effectLst/>
+                        </a:rPr>
+                        <a:t>Данные</a:t>
+                      </a:r>
+                      <a:r>
+                        <a:rPr lang="en-US" sz="1200" dirty="0">
+                          <a:effectLst/>
+                        </a:rPr>
+                        <a:t> </a:t>
+                      </a:r>
+                      <a:r>
+                        <a:rPr lang="en-US" sz="1200" dirty="0" err="1">
+                          <a:effectLst/>
+                        </a:rPr>
+                        <a:t>для</a:t>
+                      </a:r>
+                      <a:r>
+                        <a:rPr lang="en-US" sz="1200" dirty="0">
+                          <a:effectLst/>
+                        </a:rPr>
+                        <a:t> </a:t>
+                      </a:r>
+                      <a:r>
+                        <a:rPr lang="en-US" sz="1200" dirty="0" err="1">
+                          <a:effectLst/>
+                        </a:rPr>
+                        <a:t>расчета</a:t>
+                      </a:r>
+                      <a:endParaRPr lang="ru-US" sz="1200" dirty="0">
+                        <a:effectLst/>
+                        <a:latin typeface="Cambria" panose="02040503050406030204" pitchFamily="18" charset="0"/>
+                        <a:ea typeface="MS Mincho" panose="02020609040205080304" pitchFamily="49" charset="-128"/>
+                        <a:cs typeface="Times New Roman" panose="02020603050405020304" pitchFamily="18" charset="0"/>
+                      </a:endParaRPr>
+                    </a:p>
+                  </a:txBody>
+                  <a:tcPr marL="49407" marR="49407" marT="39525" marB="39525"/>
+                </a:tc>
+                <a:tc>
+                  <a:txBody>
+                    <a:bodyPr/>
+                    <a:lstStyle/>
+                    <a:p>
+                      <a:pPr>
+                        <a:lnSpc>
+                          <a:spcPct val="115000"/>
+                        </a:lnSpc>
+                        <a:spcAft>
+                          <a:spcPts val="1000"/>
+                        </a:spcAft>
+                      </a:pPr>
+                      <a:r>
+                        <a:rPr lang="en-US" sz="1200" dirty="0" err="1">
+                          <a:effectLst/>
+                        </a:rPr>
+                        <a:t>Расчет</a:t>
+                      </a:r>
+                      <a:r>
+                        <a:rPr lang="en-US" sz="1200" dirty="0">
+                          <a:effectLst/>
+                        </a:rPr>
+                        <a:t>/</a:t>
+                      </a:r>
+                      <a:r>
+                        <a:rPr lang="en-US" sz="1200" dirty="0" err="1">
+                          <a:effectLst/>
+                        </a:rPr>
+                        <a:t>договор</a:t>
+                      </a:r>
+                      <a:br>
+                        <a:rPr lang="en-US" sz="1200" dirty="0">
+                          <a:effectLst/>
+                        </a:rPr>
+                      </a:br>
+                      <a:r>
+                        <a:rPr lang="en-US" sz="1200" dirty="0" err="1">
+                          <a:effectLst/>
+                        </a:rPr>
+                        <a:t>Договор</a:t>
+                      </a:r>
+                      <a:endParaRPr lang="ru-US" sz="1200" dirty="0">
+                        <a:effectLst/>
+                        <a:latin typeface="Cambria" panose="02040503050406030204" pitchFamily="18" charset="0"/>
+                        <a:ea typeface="MS Mincho" panose="02020609040205080304" pitchFamily="49" charset="-128"/>
+                        <a:cs typeface="Times New Roman" panose="02020603050405020304" pitchFamily="18" charset="0"/>
+                      </a:endParaRPr>
+                    </a:p>
+                  </a:txBody>
+                  <a:tcPr marL="49407" marR="49407" marT="39525" marB="39525"/>
+                </a:tc>
+                <a:extLst>
+                  <a:ext uri="{0D108BD9-81ED-4DB2-BD59-A6C34878D82A}">
+                    <a16:rowId xmlns:a16="http://schemas.microsoft.com/office/drawing/2014/main" val="3384215135"/>
+                  </a:ext>
+                </a:extLst>
+              </a:tr>
+              <a:tr h="626596">
+                <a:tc>
+                  <a:txBody>
+                    <a:bodyPr/>
+                    <a:lstStyle/>
+                    <a:p>
+                      <a:pPr>
+                        <a:lnSpc>
+                          <a:spcPct val="115000"/>
+                        </a:lnSpc>
+                        <a:spcAft>
+                          <a:spcPts val="1000"/>
+                        </a:spcAft>
+                      </a:pPr>
+                      <a:r>
+                        <a:rPr lang="en-US" sz="1200">
+                          <a:effectLst/>
+                        </a:rPr>
+                        <a:t>A4. Оцифровать и архивировать документы</a:t>
+                      </a:r>
+                      <a:endParaRPr lang="ru-US" sz="1200">
+                        <a:effectLst/>
+                        <a:latin typeface="Cambria" panose="02040503050406030204" pitchFamily="18" charset="0"/>
+                        <a:ea typeface="MS Mincho" panose="02020609040205080304" pitchFamily="49" charset="-128"/>
+                        <a:cs typeface="Times New Roman" panose="02020603050405020304" pitchFamily="18" charset="0"/>
+                      </a:endParaRPr>
+                    </a:p>
+                  </a:txBody>
+                  <a:tcPr marL="49407" marR="49407" marT="39525" marB="39525" anchor="ctr"/>
+                </a:tc>
+                <a:tc>
+                  <a:txBody>
+                    <a:bodyPr/>
+                    <a:lstStyle/>
+                    <a:p>
+                      <a:pPr>
+                        <a:lnSpc>
+                          <a:spcPct val="115000"/>
+                        </a:lnSpc>
+                        <a:spcAft>
+                          <a:spcPts val="1000"/>
+                        </a:spcAft>
+                      </a:pPr>
+                      <a:r>
+                        <a:rPr lang="en-US" sz="1200" dirty="0" err="1">
+                          <a:effectLst/>
+                        </a:rPr>
+                        <a:t>Основание</a:t>
+                      </a:r>
+                      <a:r>
+                        <a:rPr lang="en-US" sz="1200" dirty="0">
+                          <a:effectLst/>
+                        </a:rPr>
+                        <a:t> </a:t>
+                      </a:r>
+                      <a:r>
+                        <a:rPr lang="en-US" sz="1200" dirty="0" err="1">
+                          <a:effectLst/>
+                        </a:rPr>
+                        <a:t>работ</a:t>
+                      </a:r>
+                      <a:r>
+                        <a:rPr lang="en-US" sz="1200" dirty="0">
+                          <a:effectLst/>
+                        </a:rPr>
+                        <a:t> </a:t>
+                      </a:r>
+                      <a:r>
+                        <a:rPr lang="en-US" sz="1200" dirty="0" err="1">
+                          <a:effectLst/>
+                        </a:rPr>
+                        <a:t>по</a:t>
+                      </a:r>
+                      <a:r>
+                        <a:rPr lang="en-US" sz="1200" dirty="0">
+                          <a:effectLst/>
+                        </a:rPr>
+                        <a:t> </a:t>
+                      </a:r>
+                      <a:r>
+                        <a:rPr lang="en-US" sz="1200" dirty="0" err="1">
+                          <a:effectLst/>
+                        </a:rPr>
+                        <a:t>договору</a:t>
+                      </a:r>
+                      <a:br>
+                        <a:rPr lang="en-US" sz="1200" dirty="0">
+                          <a:effectLst/>
+                        </a:rPr>
+                      </a:br>
+                      <a:r>
+                        <a:rPr lang="en-US" sz="1200" dirty="0" err="1">
+                          <a:effectLst/>
+                        </a:rPr>
+                        <a:t>Контент</a:t>
+                      </a:r>
+                      <a:r>
+                        <a:rPr lang="en-US" sz="1200" dirty="0">
+                          <a:effectLst/>
+                        </a:rPr>
+                        <a:t>/</a:t>
+                      </a:r>
+                      <a:r>
+                        <a:rPr lang="en-US" sz="1200" dirty="0" err="1">
+                          <a:effectLst/>
+                        </a:rPr>
+                        <a:t>поиск</a:t>
+                      </a:r>
+                      <a:r>
+                        <a:rPr lang="en-US" sz="1200" dirty="0">
+                          <a:effectLst/>
+                        </a:rPr>
+                        <a:t> </a:t>
+                      </a:r>
+                      <a:endParaRPr lang="ru-US" sz="1200" dirty="0">
+                        <a:effectLst/>
+                        <a:latin typeface="Cambria" panose="02040503050406030204" pitchFamily="18" charset="0"/>
+                        <a:ea typeface="MS Mincho" panose="02020609040205080304" pitchFamily="49" charset="-128"/>
+                        <a:cs typeface="Times New Roman" panose="02020603050405020304" pitchFamily="18" charset="0"/>
+                      </a:endParaRPr>
+                    </a:p>
+                  </a:txBody>
+                  <a:tcPr marL="49407" marR="49407" marT="39525" marB="39525"/>
+                </a:tc>
+                <a:tc>
+                  <a:txBody>
+                    <a:bodyPr/>
+                    <a:lstStyle/>
+                    <a:p>
+                      <a:pPr>
+                        <a:lnSpc>
+                          <a:spcPct val="115000"/>
+                        </a:lnSpc>
+                        <a:spcAft>
+                          <a:spcPts val="1000"/>
+                        </a:spcAft>
+                      </a:pPr>
+                      <a:r>
+                        <a:rPr lang="en-US" sz="1200" dirty="0" err="1">
+                          <a:effectLst/>
+                        </a:rPr>
+                        <a:t>Сканы</a:t>
+                      </a:r>
+                      <a:br>
+                        <a:rPr lang="en-US" sz="1200" dirty="0">
+                          <a:effectLst/>
+                        </a:rPr>
+                      </a:br>
+                      <a:r>
+                        <a:rPr lang="en-US" sz="1200" dirty="0" err="1">
+                          <a:effectLst/>
+                        </a:rPr>
+                        <a:t>Статусы</a:t>
+                      </a:r>
+                      <a:r>
+                        <a:rPr lang="en-US" sz="1200" dirty="0">
+                          <a:effectLst/>
+                        </a:rPr>
+                        <a:t> </a:t>
+                      </a:r>
+                      <a:r>
+                        <a:rPr lang="en-US" sz="1200" dirty="0" err="1">
+                          <a:effectLst/>
+                        </a:rPr>
+                        <a:t>этапов</a:t>
+                      </a:r>
+                      <a:r>
+                        <a:rPr lang="en-US" sz="1200" dirty="0">
+                          <a:effectLst/>
+                        </a:rPr>
+                        <a:t> </a:t>
+                      </a:r>
+                      <a:r>
+                        <a:rPr lang="en-US" sz="1200" dirty="0" err="1">
+                          <a:effectLst/>
+                        </a:rPr>
+                        <a:t>оцифровки</a:t>
+                      </a:r>
+                      <a:endParaRPr lang="ru-US" sz="1200" dirty="0">
+                        <a:effectLst/>
+                        <a:latin typeface="Cambria" panose="02040503050406030204" pitchFamily="18" charset="0"/>
+                        <a:ea typeface="MS Mincho" panose="02020609040205080304" pitchFamily="49" charset="-128"/>
+                        <a:cs typeface="Times New Roman" panose="02020603050405020304" pitchFamily="18" charset="0"/>
+                      </a:endParaRPr>
+                    </a:p>
+                  </a:txBody>
+                  <a:tcPr marL="49407" marR="49407" marT="39525" marB="39525"/>
+                </a:tc>
+                <a:extLst>
+                  <a:ext uri="{0D108BD9-81ED-4DB2-BD59-A6C34878D82A}">
+                    <a16:rowId xmlns:a16="http://schemas.microsoft.com/office/drawing/2014/main" val="276730594"/>
+                  </a:ext>
+                </a:extLst>
+              </a:tr>
+              <a:tr h="484359">
+                <a:tc>
+                  <a:txBody>
+                    <a:bodyPr/>
+                    <a:lstStyle/>
+                    <a:p>
+                      <a:pPr>
+                        <a:lnSpc>
+                          <a:spcPct val="115000"/>
+                        </a:lnSpc>
+                        <a:spcAft>
+                          <a:spcPts val="1000"/>
+                        </a:spcAft>
+                      </a:pPr>
+                      <a:r>
+                        <a:rPr lang="en-US" sz="1200">
+                          <a:effectLst/>
+                        </a:rPr>
+                        <a:t>A5. Обрабатывать запрос к архиву</a:t>
+                      </a:r>
+                      <a:endParaRPr lang="ru-US" sz="1200">
+                        <a:effectLst/>
+                        <a:latin typeface="Cambria" panose="02040503050406030204" pitchFamily="18" charset="0"/>
+                        <a:ea typeface="MS Mincho" panose="02020609040205080304" pitchFamily="49" charset="-128"/>
+                        <a:cs typeface="Times New Roman" panose="02020603050405020304" pitchFamily="18" charset="0"/>
+                      </a:endParaRPr>
+                    </a:p>
+                  </a:txBody>
+                  <a:tcPr marL="49407" marR="49407" marT="39525" marB="39525" anchor="ctr"/>
+                </a:tc>
+                <a:tc>
+                  <a:txBody>
+                    <a:bodyPr/>
+                    <a:lstStyle/>
+                    <a:p>
+                      <a:pPr>
+                        <a:lnSpc>
+                          <a:spcPct val="115000"/>
+                        </a:lnSpc>
+                        <a:spcAft>
+                          <a:spcPts val="1000"/>
+                        </a:spcAft>
+                      </a:pPr>
+                      <a:r>
+                        <a:rPr lang="en-US" sz="1200" dirty="0" err="1">
+                          <a:effectLst/>
+                        </a:rPr>
+                        <a:t>Документы</a:t>
+                      </a:r>
+                      <a:br>
+                        <a:rPr lang="en-US" sz="1200" dirty="0">
+                          <a:effectLst/>
+                        </a:rPr>
+                      </a:br>
+                      <a:r>
+                        <a:rPr lang="en-US" sz="1200" dirty="0" err="1">
+                          <a:effectLst/>
+                        </a:rPr>
+                        <a:t>Запрос</a:t>
+                      </a:r>
+                      <a:r>
+                        <a:rPr lang="en-US" sz="1200" dirty="0">
+                          <a:effectLst/>
+                        </a:rPr>
+                        <a:t> </a:t>
+                      </a:r>
+                      <a:r>
+                        <a:rPr lang="en-US" sz="1200" dirty="0" err="1">
+                          <a:effectLst/>
+                        </a:rPr>
+                        <a:t>к</a:t>
+                      </a:r>
+                      <a:r>
+                        <a:rPr lang="en-US" sz="1200" dirty="0">
+                          <a:effectLst/>
+                        </a:rPr>
+                        <a:t> </a:t>
+                      </a:r>
+                      <a:r>
+                        <a:rPr lang="en-US" sz="1200" dirty="0" err="1">
+                          <a:effectLst/>
+                        </a:rPr>
+                        <a:t>архиву</a:t>
+                      </a:r>
+                      <a:endParaRPr lang="ru-US" sz="1200" dirty="0">
+                        <a:effectLst/>
+                        <a:latin typeface="Cambria" panose="02040503050406030204" pitchFamily="18" charset="0"/>
+                        <a:ea typeface="MS Mincho" panose="02020609040205080304" pitchFamily="49" charset="-128"/>
+                        <a:cs typeface="Times New Roman" panose="02020603050405020304" pitchFamily="18" charset="0"/>
+                      </a:endParaRPr>
+                    </a:p>
+                  </a:txBody>
+                  <a:tcPr marL="49407" marR="49407" marT="39525" marB="39525"/>
+                </a:tc>
+                <a:tc>
+                  <a:txBody>
+                    <a:bodyPr/>
+                    <a:lstStyle/>
+                    <a:p>
+                      <a:pPr>
+                        <a:lnSpc>
+                          <a:spcPct val="115000"/>
+                        </a:lnSpc>
+                        <a:spcAft>
+                          <a:spcPts val="1000"/>
+                        </a:spcAft>
+                      </a:pPr>
+                      <a:r>
+                        <a:rPr lang="en-US" sz="1200" dirty="0" err="1">
+                          <a:effectLst/>
+                        </a:rPr>
+                        <a:t>Документы</a:t>
+                      </a:r>
+                      <a:br>
+                        <a:rPr lang="en-US" sz="1200" dirty="0">
+                          <a:effectLst/>
+                        </a:rPr>
+                      </a:br>
+                      <a:r>
+                        <a:rPr lang="en-US" sz="1200" dirty="0" err="1">
+                          <a:effectLst/>
+                        </a:rPr>
+                        <a:t>Учет</a:t>
+                      </a:r>
+                      <a:r>
+                        <a:rPr lang="en-US" sz="1200" dirty="0">
+                          <a:effectLst/>
+                        </a:rPr>
+                        <a:t> </a:t>
+                      </a:r>
+                      <a:r>
+                        <a:rPr lang="en-US" sz="1200" dirty="0" err="1">
+                          <a:effectLst/>
+                        </a:rPr>
+                        <a:t>выдач</a:t>
+                      </a:r>
+                      <a:r>
+                        <a:rPr lang="en-US" sz="1200" dirty="0">
+                          <a:effectLst/>
+                        </a:rPr>
+                        <a:t> </a:t>
+                      </a:r>
+                      <a:endParaRPr lang="ru-US" sz="1200" dirty="0">
+                        <a:effectLst/>
+                        <a:latin typeface="Cambria" panose="02040503050406030204" pitchFamily="18" charset="0"/>
+                        <a:ea typeface="MS Mincho" panose="02020609040205080304" pitchFamily="49" charset="-128"/>
+                        <a:cs typeface="Times New Roman" panose="02020603050405020304" pitchFamily="18" charset="0"/>
+                      </a:endParaRPr>
+                    </a:p>
+                  </a:txBody>
+                  <a:tcPr marL="49407" marR="49407" marT="39525" marB="39525"/>
+                </a:tc>
+                <a:extLst>
+                  <a:ext uri="{0D108BD9-81ED-4DB2-BD59-A6C34878D82A}">
+                    <a16:rowId xmlns:a16="http://schemas.microsoft.com/office/drawing/2014/main" val="1908195193"/>
+                  </a:ext>
+                </a:extLst>
+              </a:tr>
+              <a:tr h="1039908">
+                <a:tc>
+                  <a:txBody>
+                    <a:bodyPr/>
+                    <a:lstStyle/>
+                    <a:p>
+                      <a:pPr>
+                        <a:lnSpc>
+                          <a:spcPct val="115000"/>
+                        </a:lnSpc>
+                        <a:spcAft>
+                          <a:spcPts val="1000"/>
+                        </a:spcAft>
+                      </a:pPr>
+                      <a:r>
+                        <a:rPr lang="en-US" sz="1200">
+                          <a:effectLst/>
+                        </a:rPr>
+                        <a:t>A6. Контролировать сроки и формировать отчеты</a:t>
+                      </a:r>
+                      <a:endParaRPr lang="ru-US" sz="1200">
+                        <a:effectLst/>
+                        <a:latin typeface="Cambria" panose="02040503050406030204" pitchFamily="18" charset="0"/>
+                        <a:ea typeface="MS Mincho" panose="02020609040205080304" pitchFamily="49" charset="-128"/>
+                        <a:cs typeface="Times New Roman" panose="02020603050405020304" pitchFamily="18" charset="0"/>
+                      </a:endParaRPr>
+                    </a:p>
+                  </a:txBody>
+                  <a:tcPr marL="49407" marR="49407" marT="39525" marB="39525" anchor="ctr"/>
+                </a:tc>
+                <a:tc>
+                  <a:txBody>
+                    <a:bodyPr/>
+                    <a:lstStyle/>
+                    <a:p>
+                      <a:pPr>
+                        <a:lnSpc>
+                          <a:spcPct val="115000"/>
+                        </a:lnSpc>
+                        <a:spcAft>
+                          <a:spcPts val="1000"/>
+                        </a:spcAft>
+                      </a:pPr>
+                      <a:r>
+                        <a:rPr lang="en-US" sz="1200" dirty="0" err="1">
+                          <a:effectLst/>
+                        </a:rPr>
+                        <a:t>Сроки</a:t>
+                      </a:r>
+                      <a:r>
+                        <a:rPr lang="en-US" sz="1200" dirty="0">
+                          <a:effectLst/>
+                        </a:rPr>
+                        <a:t>/</a:t>
+                      </a:r>
+                      <a:r>
+                        <a:rPr lang="en-US" sz="1200" dirty="0" err="1">
+                          <a:effectLst/>
+                        </a:rPr>
+                        <a:t>права</a:t>
+                      </a:r>
+                      <a:r>
+                        <a:rPr lang="en-US" sz="1200" dirty="0">
+                          <a:effectLst/>
+                        </a:rPr>
+                        <a:t> </a:t>
+                      </a:r>
+                      <a:br>
+                        <a:rPr lang="en-US" sz="1200" dirty="0">
+                          <a:effectLst/>
+                        </a:rPr>
+                      </a:br>
+                      <a:r>
+                        <a:rPr lang="en-US" sz="1200" dirty="0" err="1">
+                          <a:effectLst/>
+                        </a:rPr>
+                        <a:t>Утвержденные</a:t>
+                      </a:r>
+                      <a:r>
+                        <a:rPr lang="en-US" sz="1200" dirty="0">
+                          <a:effectLst/>
+                        </a:rPr>
+                        <a:t> </a:t>
+                      </a:r>
+                      <a:r>
+                        <a:rPr lang="en-US" sz="1200" dirty="0" err="1">
+                          <a:effectLst/>
+                        </a:rPr>
+                        <a:t>условия</a:t>
+                      </a:r>
+                      <a:br>
+                        <a:rPr lang="en-US" sz="1200" dirty="0">
+                          <a:effectLst/>
+                        </a:rPr>
+                      </a:br>
+                      <a:r>
+                        <a:rPr lang="en-US" sz="1200" dirty="0" err="1">
+                          <a:effectLst/>
+                        </a:rPr>
+                        <a:t>Статусы</a:t>
+                      </a:r>
+                      <a:r>
+                        <a:rPr lang="en-US" sz="1200" dirty="0">
+                          <a:effectLst/>
+                        </a:rPr>
+                        <a:t> </a:t>
+                      </a:r>
+                      <a:r>
+                        <a:rPr lang="en-US" sz="1200" dirty="0" err="1">
+                          <a:effectLst/>
+                        </a:rPr>
+                        <a:t>этапов</a:t>
+                      </a:r>
+                      <a:r>
+                        <a:rPr lang="en-US" sz="1200" dirty="0">
+                          <a:effectLst/>
+                        </a:rPr>
+                        <a:t> </a:t>
+                      </a:r>
+                      <a:r>
+                        <a:rPr lang="en-US" sz="1200" dirty="0" err="1">
+                          <a:effectLst/>
+                        </a:rPr>
+                        <a:t>оцифровки</a:t>
+                      </a:r>
+                      <a:r>
+                        <a:rPr lang="en-US" sz="1200" dirty="0">
+                          <a:effectLst/>
+                        </a:rPr>
+                        <a:t> </a:t>
+                      </a:r>
+                      <a:endParaRPr lang="ru-US" sz="1200" dirty="0">
+                        <a:effectLst/>
+                        <a:latin typeface="Cambria" panose="02040503050406030204" pitchFamily="18" charset="0"/>
+                        <a:ea typeface="MS Mincho" panose="02020609040205080304" pitchFamily="49" charset="-128"/>
+                        <a:cs typeface="Times New Roman" panose="02020603050405020304" pitchFamily="18" charset="0"/>
+                      </a:endParaRPr>
+                    </a:p>
+                  </a:txBody>
+                  <a:tcPr marL="49407" marR="49407" marT="39525" marB="39525"/>
+                </a:tc>
+                <a:tc>
+                  <a:txBody>
+                    <a:bodyPr/>
+                    <a:lstStyle/>
+                    <a:p>
+                      <a:pPr>
+                        <a:lnSpc>
+                          <a:spcPct val="115000"/>
+                        </a:lnSpc>
+                        <a:spcAft>
+                          <a:spcPts val="1000"/>
+                        </a:spcAft>
+                      </a:pPr>
+                      <a:r>
+                        <a:rPr lang="en-US" sz="1200" dirty="0" err="1">
+                          <a:effectLst/>
+                        </a:rPr>
+                        <a:t>Статусы</a:t>
+                      </a:r>
+                      <a:r>
+                        <a:rPr lang="en-US" sz="1200" dirty="0">
+                          <a:effectLst/>
+                        </a:rPr>
+                        <a:t>/</a:t>
+                      </a:r>
+                      <a:r>
+                        <a:rPr lang="en-US" sz="1200" dirty="0" err="1">
+                          <a:effectLst/>
+                        </a:rPr>
+                        <a:t>уведомлени</a:t>
+                      </a:r>
+                      <a:r>
+                        <a:rPr lang="ru-RU" sz="1200" dirty="0">
+                          <a:effectLst/>
+                        </a:rPr>
+                        <a:t>я</a:t>
+                      </a:r>
+                      <a:br>
+                        <a:rPr lang="en-US" sz="1200" dirty="0">
+                          <a:effectLst/>
+                        </a:rPr>
+                      </a:br>
+                      <a:r>
+                        <a:rPr lang="en-US" sz="1200" dirty="0" err="1">
+                          <a:effectLst/>
+                        </a:rPr>
+                        <a:t>Отчеты</a:t>
+                      </a:r>
+                      <a:r>
+                        <a:rPr lang="en-US" sz="1200" dirty="0">
+                          <a:effectLst/>
+                        </a:rPr>
+                        <a:t>/KPI</a:t>
+                      </a:r>
+                      <a:br>
+                        <a:rPr lang="en-US" sz="1200" dirty="0">
+                          <a:effectLst/>
+                        </a:rPr>
+                      </a:br>
+                      <a:r>
+                        <a:rPr lang="en-US" sz="1200" dirty="0" err="1">
+                          <a:effectLst/>
+                        </a:rPr>
+                        <a:t>Контент</a:t>
+                      </a:r>
+                      <a:r>
+                        <a:rPr lang="en-US" sz="1200" dirty="0">
+                          <a:effectLst/>
+                        </a:rPr>
+                        <a:t>/</a:t>
+                      </a:r>
+                      <a:r>
+                        <a:rPr lang="en-US" sz="1200" dirty="0" err="1">
+                          <a:effectLst/>
+                        </a:rPr>
+                        <a:t>поис</a:t>
+                      </a:r>
+                      <a:r>
+                        <a:rPr lang="ru-RU" sz="1200" dirty="0">
+                          <a:effectLst/>
+                        </a:rPr>
+                        <a:t>к</a:t>
+                      </a:r>
+                      <a:endParaRPr lang="ru-US" sz="1200" dirty="0">
+                        <a:effectLst/>
+                        <a:latin typeface="Cambria" panose="02040503050406030204" pitchFamily="18" charset="0"/>
+                        <a:ea typeface="MS Mincho" panose="02020609040205080304" pitchFamily="49" charset="-128"/>
+                        <a:cs typeface="Times New Roman" panose="02020603050405020304" pitchFamily="18" charset="0"/>
+                      </a:endParaRPr>
+                    </a:p>
+                  </a:txBody>
+                  <a:tcPr marL="49407" marR="49407" marT="39525" marB="39525"/>
+                </a:tc>
+                <a:extLst>
+                  <a:ext uri="{0D108BD9-81ED-4DB2-BD59-A6C34878D82A}">
+                    <a16:rowId xmlns:a16="http://schemas.microsoft.com/office/drawing/2014/main" val="1975892597"/>
+                  </a:ext>
+                </a:extLst>
+              </a:tr>
+            </a:tbl>
+          </a:graphicData>
+        </a:graphic>
+      </p:graphicFrame>
+      <p:sp>
+        <p:nvSpPr>
+          <p:cNvPr id="5" name="Rectangle 1">
+            <a:extLst>
+              <a:ext uri="{FF2B5EF4-FFF2-40B4-BE49-F238E27FC236}">
+                <a16:creationId xmlns:a16="http://schemas.microsoft.com/office/drawing/2014/main" id="{0706AA47-E505-DF9F-5800-5609DA2B4C78}"/>
+              </a:ext>
+            </a:extLst>
+          </p:cNvPr>
+          <p:cNvSpPr>
+            <a:spLocks noChangeArrowheads="1"/>
+          </p:cNvSpPr>
           <p:nvPr/>
         </p:nvSpPr>
-        <p:spPr>
+        <p:spPr bwMode="auto">
           <a:xfrm>
-            <a:off x="457200" y="1298863"/>
-            <a:ext cx="7486345" cy="2031325"/>
+            <a:off x="1974850" y="2426389"/>
+            <a:ext cx="9144000" cy="457200"/>
           </a:xfrm>
           <a:prstGeom prst="rect">
             <a:avLst/>
           </a:prstGeom>
           <a:noFill/>
+          <a:ln>
+            <a:noFill/>
+          </a:ln>
+          <a:effectLst/>
+          <a:extLst>
+            <a:ext uri="{909E8E84-426E-40DD-AFC4-6F175D3DCCD1}">
+              <a14:hiddenFill xmlns:a14="http://schemas.microsoft.com/office/drawing/2010/main">
+                <a:solidFill>
+                  <a:schemeClr val="accent1"/>
+                </a:solidFill>
+              </a14:hiddenFill>
+            </a:ext>
+            <a:ext uri="{91240B29-F687-4F45-9708-019B960494DF}">
+              <a14:hiddenLine xmlns:a14="http://schemas.microsoft.com/office/drawing/2010/main" w="9525">
+                <a:solidFill>
+                  <a:schemeClr val="tx1"/>
+                </a:solidFill>
+                <a:miter lim="800000"/>
+                <a:headEnd/>
+                <a:tailEnd/>
+              </a14:hiddenLine>
+            </a:ext>
+            <a:ext uri="{AF507438-7753-43E0-B8FC-AC1667EBCBE1}">
+              <a14:hiddenEffects xmlns:a14="http://schemas.microsoft.com/office/drawing/2010/main">
+                <a:effectLst>
+                  <a:outerShdw dist="35921" dir="2700000" algn="ctr" rotWithShape="0">
+                    <a:schemeClr val="bg2"/>
+                  </a:outerShdw>
+                </a:effectLst>
+              </a14:hiddenEffects>
+            </a:ext>
+          </a:extLst>
         </p:spPr>
         <p:txBody>
-          <a:bodyPr wrap="none" rtlCol="0">
+          <a:bodyPr vert="horz" wrap="none" lIns="91440" tIns="45720" rIns="91440" bIns="45720" numCol="1" anchor="ctr" anchorCtr="0" compatLnSpc="1">
+            <a:prstTxWarp prst="textNoShape">
+              <a:avLst/>
+            </a:prstTxWarp>
             <a:spAutoFit/>
           </a:bodyPr>
           <a:lstStyle/>
           <a:p>
-            <a:r>
-              <a:rPr lang="ru-RU" dirty="0">
-                <a:latin typeface="Helvetica" pitchFamily="2" charset="0"/>
-              </a:rPr>
-              <a:t>Основной процесс: Управлять запросами к архивным документам.</a:t>
-            </a:r>
-          </a:p>
-          <a:p>
-            <a:endParaRPr lang="ru-RU" dirty="0">
-              <a:latin typeface="Helvetica" pitchFamily="2" charset="0"/>
-            </a:endParaRPr>
-          </a:p>
-          <a:p>
-            <a:r>
-              <a:rPr lang="ru-RU" dirty="0">
-                <a:latin typeface="Helvetica" pitchFamily="2" charset="0"/>
-              </a:rPr>
-              <a:t>Внешние сущности:</a:t>
-            </a:r>
-          </a:p>
-          <a:p>
-            <a:r>
-              <a:rPr lang="en-US" dirty="0">
-                <a:latin typeface="Helvetica" pitchFamily="2" charset="0"/>
-              </a:rPr>
-              <a:t>E1 </a:t>
-            </a:r>
-            <a:r>
-              <a:rPr lang="ru-RU" dirty="0">
-                <a:latin typeface="Helvetica" pitchFamily="2" charset="0"/>
-              </a:rPr>
-              <a:t>–</a:t>
-            </a:r>
-            <a:r>
-              <a:rPr lang="en-US" dirty="0">
-                <a:latin typeface="Helvetica" pitchFamily="2" charset="0"/>
-              </a:rPr>
-              <a:t> </a:t>
-            </a:r>
-            <a:r>
-              <a:rPr lang="ru-RU" dirty="0">
-                <a:latin typeface="Helvetica" pitchFamily="2" charset="0"/>
-              </a:rPr>
-              <a:t>Сотрудник компании (инициатор)</a:t>
-            </a:r>
-          </a:p>
-          <a:p>
-            <a:r>
-              <a:rPr lang="en-US" dirty="0">
-                <a:latin typeface="Helvetica" pitchFamily="2" charset="0"/>
-              </a:rPr>
-              <a:t>E2 </a:t>
-            </a:r>
-            <a:r>
-              <a:rPr lang="ru-RU" dirty="0">
-                <a:latin typeface="Helvetica" pitchFamily="2" charset="0"/>
-              </a:rPr>
-              <a:t>–</a:t>
-            </a:r>
-            <a:r>
-              <a:rPr lang="en-US" dirty="0">
-                <a:latin typeface="Helvetica" pitchFamily="2" charset="0"/>
-              </a:rPr>
-              <a:t> </a:t>
-            </a:r>
-            <a:r>
-              <a:rPr lang="ru-RU" dirty="0">
-                <a:latin typeface="Helvetica" pitchFamily="2" charset="0"/>
-              </a:rPr>
-              <a:t>Служба архива</a:t>
-            </a:r>
-          </a:p>
-          <a:p>
-            <a:r>
-              <a:rPr lang="en-US" dirty="0">
-                <a:latin typeface="Helvetica" pitchFamily="2" charset="0"/>
-              </a:rPr>
-              <a:t>E3 </a:t>
-            </a:r>
-            <a:r>
-              <a:rPr lang="ru-RU" dirty="0">
-                <a:latin typeface="Helvetica" pitchFamily="2" charset="0"/>
-              </a:rPr>
-              <a:t>–</a:t>
-            </a:r>
-            <a:r>
-              <a:rPr lang="en-US" dirty="0">
-                <a:latin typeface="Helvetica" pitchFamily="2" charset="0"/>
-              </a:rPr>
-              <a:t> </a:t>
-            </a:r>
-            <a:r>
-              <a:rPr lang="ru-RU" dirty="0">
-                <a:latin typeface="Helvetica" pitchFamily="2" charset="0"/>
-              </a:rPr>
-              <a:t>Клиент/заказчик</a:t>
-            </a:r>
-          </a:p>
-          <a:p>
-            <a:r>
-              <a:rPr lang="en-US" dirty="0">
-                <a:latin typeface="Helvetica" pitchFamily="2" charset="0"/>
-              </a:rPr>
-              <a:t>E4</a:t>
-            </a:r>
-            <a:r>
-              <a:rPr lang="ru-RU" dirty="0">
-                <a:latin typeface="Helvetica" pitchFamily="2" charset="0"/>
-              </a:rPr>
-              <a:t> –</a:t>
-            </a:r>
-            <a:r>
-              <a:rPr lang="en-US" dirty="0">
-                <a:latin typeface="Helvetica" pitchFamily="2" charset="0"/>
-              </a:rPr>
-              <a:t> </a:t>
-            </a:r>
-            <a:r>
-              <a:rPr lang="ru-RU" dirty="0">
-                <a:latin typeface="Helvetica" pitchFamily="2" charset="0"/>
-              </a:rPr>
-              <a:t>Администратор системы</a:t>
-            </a:r>
-            <a:endParaRPr lang="ru-US" dirty="0">
-              <a:latin typeface="Helvetica" pitchFamily="2" charset="0"/>
-            </a:endParaRPr>
-          </a:p>
-        </p:txBody>
-      </p:sp>
-      <p:pic>
-        <p:nvPicPr>
-          <p:cNvPr id="4" name="Рисунок 3">
-            <a:extLst>
-              <a:ext uri="{FF2B5EF4-FFF2-40B4-BE49-F238E27FC236}">
-                <a16:creationId xmlns:a16="http://schemas.microsoft.com/office/drawing/2014/main" id="{338B5F28-362F-CC62-EE3E-C1F3880856BA}"/>
-              </a:ext>
-            </a:extLst>
-          </p:cNvPr>
-          <p:cNvPicPr>
-            <a:picLocks noChangeAspect="1"/>
-          </p:cNvPicPr>
-          <p:nvPr/>
-        </p:nvPicPr>
-        <p:blipFill>
-          <a:blip r:embed="rId3"/>
-          <a:stretch>
-            <a:fillRect/>
-          </a:stretch>
-        </p:blipFill>
-        <p:spPr>
-          <a:xfrm>
-            <a:off x="3431569" y="3258958"/>
-            <a:ext cx="5419005" cy="3298525"/>
-          </a:xfrm>
-          <a:prstGeom prst="rect">
-            <a:avLst/>
-          </a:prstGeom>
-        </p:spPr>
-      </p:pic>
+            <a:endParaRPr lang="ru-US"/>
+          </a:p>
+        </p:txBody>
+      </p:sp>
     </p:spTree>
   </p:cSld>
   <p:clrMapOvr>
@@ -5280,53 +6469,195 @@
           <a:lstStyle/>
           <a:p>
             <a:r>
+              <a:rPr sz="4000" dirty="0" err="1">
+                <a:latin typeface="Helvetica" pitchFamily="2" charset="0"/>
+              </a:rPr>
+              <a:t>Контекстная</a:t>
+            </a:r>
+            <a:r>
               <a:rPr sz="4000" dirty="0">
                 <a:latin typeface="Helvetica" pitchFamily="2" charset="0"/>
               </a:rPr>
-              <a:t>DFD </a:t>
+              <a:t> </a:t>
             </a:r>
             <a:r>
               <a:rPr sz="4000" dirty="0" err="1">
                 <a:latin typeface="Helvetica" pitchFamily="2" charset="0"/>
               </a:rPr>
-              <a:t>первого</a:t>
+              <a:t>диаграмма</a:t>
             </a:r>
             <a:r>
               <a:rPr sz="4000" dirty="0">
                 <a:latin typeface="Helvetica" pitchFamily="2" charset="0"/>
               </a:rPr>
-              <a:t> </a:t>
-            </a:r>
-            <a:r>
-              <a:rPr sz="4000" dirty="0" err="1">
-                <a:latin typeface="Helvetica" pitchFamily="2" charset="0"/>
-              </a:rPr>
-              <a:t>уровня</a:t>
-            </a:r>
-            <a:r>
-              <a:rPr sz="4000" dirty="0">
-                <a:latin typeface="Helvetica" pitchFamily="2" charset="0"/>
-              </a:rPr>
-              <a:t> (A0</a:t>
-            </a:r>
-            <a:r>
-              <a:rPr lang="ru-RU" sz="4000" dirty="0">
-                <a:latin typeface="Helvetica" pitchFamily="2" charset="0"/>
-              </a:rPr>
-              <a:t>)</a:t>
-            </a:r>
-            <a:endParaRPr sz="4000" dirty="0">
+              <a:t> (A-0)</a:t>
+            </a:r>
+          </a:p>
+        </p:txBody>
+      </p:sp>
+      <p:sp>
+        <p:nvSpPr>
+          <p:cNvPr id="6" name="TextBox 5">
+            <a:extLst>
+              <a:ext uri="{FF2B5EF4-FFF2-40B4-BE49-F238E27FC236}">
+                <a16:creationId xmlns:a16="http://schemas.microsoft.com/office/drawing/2014/main" id="{9EEF7F1A-F2BE-A194-7B34-D4733546D8D4}"/>
+              </a:ext>
+            </a:extLst>
+          </p:cNvPr>
+          <p:cNvSpPr txBox="1"/>
+          <p:nvPr/>
+        </p:nvSpPr>
+        <p:spPr>
+          <a:xfrm>
+            <a:off x="457200" y="1298863"/>
+            <a:ext cx="7486345" cy="2031325"/>
+          </a:xfrm>
+          <a:prstGeom prst="rect">
+            <a:avLst/>
+          </a:prstGeom>
+          <a:noFill/>
+        </p:spPr>
+        <p:txBody>
+          <a:bodyPr wrap="none" rtlCol="0">
+            <a:spAutoFit/>
+          </a:bodyPr>
+          <a:lstStyle/>
+          <a:p>
+            <a:r>
+              <a:rPr lang="ru-RU" dirty="0">
+                <a:latin typeface="Helvetica" pitchFamily="2" charset="0"/>
+              </a:rPr>
+              <a:t>Основной процесс: Управлять запросами к архивным документам.</a:t>
+            </a:r>
+          </a:p>
+          <a:p>
+            <a:endParaRPr lang="ru-RU" dirty="0">
               <a:latin typeface="Helvetica" pitchFamily="2" charset="0"/>
             </a:endParaRPr>
           </a:p>
+          <a:p>
+            <a:r>
+              <a:rPr lang="ru-RU" dirty="0">
+                <a:latin typeface="Helvetica" pitchFamily="2" charset="0"/>
+              </a:rPr>
+              <a:t>Внешние сущности:</a:t>
+            </a:r>
+          </a:p>
+          <a:p>
+            <a:r>
+              <a:rPr lang="en-US" dirty="0">
+                <a:latin typeface="Helvetica" pitchFamily="2" charset="0"/>
+              </a:rPr>
+              <a:t>E1 </a:t>
+            </a:r>
+            <a:r>
+              <a:rPr lang="ru-RU" dirty="0">
+                <a:latin typeface="Helvetica" pitchFamily="2" charset="0"/>
+              </a:rPr>
+              <a:t>–</a:t>
+            </a:r>
+            <a:r>
+              <a:rPr lang="en-US" dirty="0">
+                <a:latin typeface="Helvetica" pitchFamily="2" charset="0"/>
+              </a:rPr>
+              <a:t> </a:t>
+            </a:r>
+            <a:r>
+              <a:rPr lang="ru-RU" dirty="0">
+                <a:latin typeface="Helvetica" pitchFamily="2" charset="0"/>
+              </a:rPr>
+              <a:t>Сотрудник компании (инициатор)</a:t>
+            </a:r>
+          </a:p>
+          <a:p>
+            <a:r>
+              <a:rPr lang="en-US" dirty="0">
+                <a:latin typeface="Helvetica" pitchFamily="2" charset="0"/>
+              </a:rPr>
+              <a:t>E2 </a:t>
+            </a:r>
+            <a:r>
+              <a:rPr lang="ru-RU" dirty="0">
+                <a:latin typeface="Helvetica" pitchFamily="2" charset="0"/>
+              </a:rPr>
+              <a:t>–</a:t>
+            </a:r>
+            <a:r>
+              <a:rPr lang="en-US" dirty="0">
+                <a:latin typeface="Helvetica" pitchFamily="2" charset="0"/>
+              </a:rPr>
+              <a:t> </a:t>
+            </a:r>
+            <a:r>
+              <a:rPr lang="ru-RU" dirty="0">
+                <a:latin typeface="Helvetica" pitchFamily="2" charset="0"/>
+              </a:rPr>
+              <a:t>Служба архива</a:t>
+            </a:r>
+          </a:p>
+          <a:p>
+            <a:r>
+              <a:rPr lang="en-US" dirty="0">
+                <a:latin typeface="Helvetica" pitchFamily="2" charset="0"/>
+              </a:rPr>
+              <a:t>E3 </a:t>
+            </a:r>
+            <a:r>
+              <a:rPr lang="ru-RU" dirty="0">
+                <a:latin typeface="Helvetica" pitchFamily="2" charset="0"/>
+              </a:rPr>
+              <a:t>–</a:t>
+            </a:r>
+            <a:r>
+              <a:rPr lang="en-US" dirty="0">
+                <a:latin typeface="Helvetica" pitchFamily="2" charset="0"/>
+              </a:rPr>
+              <a:t> </a:t>
+            </a:r>
+            <a:r>
+              <a:rPr lang="ru-RU" dirty="0">
+                <a:latin typeface="Helvetica" pitchFamily="2" charset="0"/>
+              </a:rPr>
+              <a:t>Клиент/заказчик</a:t>
+            </a:r>
+          </a:p>
+          <a:p>
+            <a:r>
+              <a:rPr lang="en-US" dirty="0">
+                <a:latin typeface="Helvetica" pitchFamily="2" charset="0"/>
+              </a:rPr>
+              <a:t>E4</a:t>
+            </a:r>
+            <a:r>
+              <a:rPr lang="ru-RU" dirty="0">
+                <a:latin typeface="Helvetica" pitchFamily="2" charset="0"/>
+              </a:rPr>
+              <a:t> –</a:t>
+            </a:r>
+            <a:r>
+              <a:rPr lang="en-US" dirty="0">
+                <a:latin typeface="Helvetica" pitchFamily="2" charset="0"/>
+              </a:rPr>
+              <a:t> </a:t>
+            </a:r>
+            <a:r>
+              <a:rPr lang="ru-RU" dirty="0">
+                <a:latin typeface="Helvetica" pitchFamily="2" charset="0"/>
+              </a:rPr>
+              <a:t>Администратор системы</a:t>
+            </a:r>
+            <a:endParaRPr lang="ru-US" dirty="0">
+              <a:latin typeface="Helvetica" pitchFamily="2" charset="0"/>
+            </a:endParaRPr>
+          </a:p>
         </p:txBody>
       </p:sp>
       <p:pic>
         <p:nvPicPr>
-          <p:cNvPr id="7" name="Рисунок 6">
+          <p:cNvPr id="5" name="Рисунок 4">
             <a:extLst>
               <a:ext uri="{FF2B5EF4-FFF2-40B4-BE49-F238E27FC236}">
-                <a16:creationId xmlns:a16="http://schemas.microsoft.com/office/drawing/2014/main" id="{2CBB396B-AA03-DB35-1828-8C9EF3158B94}"/>
+                <a16:creationId xmlns:a16="http://schemas.microsoft.com/office/drawing/2014/main" id="{CE42DD38-314B-9C9B-780A-205FA57A7E05}"/>
               </a:ext>
             </a:extLst>
           </p:cNvPr>
@@ -5336,15 +6667,15 @@
           <p:nvPr/>
         </p:nvPicPr>
         <p:blipFill>
-          <a:blip r:embed="rId2"/>
+          <a:blip r:embed="rId3"/>
           <a:stretch>
             <a:fillRect/>
           </a:stretch>
         </p:blipFill>
         <p:spPr>
           <a:xfrm>
-            <a:off x="457200" y="1417638"/>
-            <a:ext cx="8229600" cy="5018300"/>
+            <a:off x="3687898" y="3330187"/>
+            <a:ext cx="5162675" cy="3227295"/>
           </a:xfrm>
           <a:prstGeom prst="rect">
             <a:avLst/>
@@ -5376,1769 +6707,95 @@
           <a:chExt cx="0" cy="0"/>
         </a:xfrm>
       </p:grpSpPr>
-      <p:sp>
-        <p:nvSpPr>
-          <p:cNvPr id="2" name="Title 1"/>
-          <p:cNvSpPr>
-            <a:spLocks noGrp="1"/>
-          </p:cNvSpPr>
-          <p:nvPr>
-            <p:ph type="title"/>
-          </p:nvPr>
-        </p:nvSpPr>
-        <p:spPr/>
-        <p:txBody>
-          <a:bodyPr>
-            <a:noAutofit/>
-          </a:bodyPr>
-          <a:lstStyle/>
-          <a:p>
-            <a:r>
-              <a:rPr lang="ru-RU" sz="3600" dirty="0">
-                <a:latin typeface="Helvetica" pitchFamily="2" charset="0"/>
-              </a:rPr>
-              <a:t>Анализ процессов и матрица событий</a:t>
-            </a:r>
-            <a:endParaRPr sz="3600" dirty="0">
-              <a:latin typeface="Helvetica" pitchFamily="2" charset="0"/>
-            </a:endParaRPr>
-          </a:p>
-        </p:txBody>
-      </p:sp>
-      <p:graphicFrame>
-        <p:nvGraphicFramePr>
-          <p:cNvPr id="4" name="Таблица 3">
+      <p:pic>
+        <p:nvPicPr>
+          <p:cNvPr id="4" name="Рисунок 3">
             <a:extLst>
               <a:ext uri="{FF2B5EF4-FFF2-40B4-BE49-F238E27FC236}">
-                <a16:creationId xmlns:a16="http://schemas.microsoft.com/office/drawing/2014/main" id="{C62580C8-D5EA-994D-1B9C-B09FB8363892}"/>
+                <a16:creationId xmlns:a16="http://schemas.microsoft.com/office/drawing/2014/main" id="{03576846-B9FB-266D-991E-61E51CA2FFB0}"/>
               </a:ext>
             </a:extLst>
           </p:cNvPr>
-          <p:cNvGraphicFramePr>
-            <a:graphicFrameLocks noGrp="1"/>
-          </p:cNvGraphicFramePr>
-          <p:nvPr>
-            <p:extLst>
-              <p:ext uri="{D42A27DB-BD31-4B8C-83A1-F6EECF244321}">
-                <p14:modId xmlns:p14="http://schemas.microsoft.com/office/powerpoint/2010/main" val="2043712339"/>
-              </p:ext>
-            </p:extLst>
-          </p:nvPr>
-        </p:nvGraphicFramePr>
-        <p:xfrm>
-          <a:off x="457200" y="1591531"/>
-          <a:ext cx="8229600" cy="4632993"/>
-        </p:xfrm>
-        <a:graphic>
-          <a:graphicData uri="http://schemas.openxmlformats.org/drawingml/2006/table">
-            <a:tbl>
-              <a:tblPr firstRow="1" firstCol="1" bandRow="1">
-                <a:tableStyleId>{5C22544A-7EE6-4342-B048-85BDC9FD1C3A}</a:tableStyleId>
-              </a:tblPr>
-              <a:tblGrid>
-                <a:gridCol w="2743200">
-                  <a:extLst>
-                    <a:ext uri="{9D8B030D-6E8A-4147-A177-3AD203B41FA5}">
-                      <a16:colId xmlns:a16="http://schemas.microsoft.com/office/drawing/2014/main" val="3266063048"/>
-                    </a:ext>
-                  </a:extLst>
-                </a:gridCol>
-                <a:gridCol w="2743200">
-                  <a:extLst>
-                    <a:ext uri="{9D8B030D-6E8A-4147-A177-3AD203B41FA5}">
-                      <a16:colId xmlns:a16="http://schemas.microsoft.com/office/drawing/2014/main" val="3788643832"/>
-                    </a:ext>
-                  </a:extLst>
-                </a:gridCol>
-                <a:gridCol w="2743200">
-                  <a:extLst>
-                    <a:ext uri="{9D8B030D-6E8A-4147-A177-3AD203B41FA5}">
-                      <a16:colId xmlns:a16="http://schemas.microsoft.com/office/drawing/2014/main" val="2004202482"/>
-                    </a:ext>
-                  </a:extLst>
-                </a:gridCol>
-              </a:tblGrid>
-              <a:tr h="267414">
-                <a:tc>
-                  <a:txBody>
-                    <a:bodyPr/>
-                    <a:lstStyle/>
-                    <a:p>
-                      <a:pPr>
-                        <a:lnSpc>
-                          <a:spcPct val="115000"/>
-                        </a:lnSpc>
-                        <a:spcAft>
-                          <a:spcPts val="1000"/>
-                        </a:spcAft>
-                      </a:pPr>
-                      <a:r>
-                        <a:rPr lang="en-US" sz="1050">
-                          <a:effectLst/>
-                          <a:latin typeface="Helvetica" pitchFamily="2" charset="0"/>
-                        </a:rPr>
-                        <a:t>Процесс</a:t>
-                      </a:r>
-                      <a:endParaRPr lang="ru-US" sz="1050">
-                        <a:effectLst/>
-                        <a:latin typeface="Helvetica" pitchFamily="2" charset="0"/>
-                        <a:ea typeface="MS Mincho" panose="02020609040205080304" pitchFamily="49" charset="-128"/>
-                        <a:cs typeface="Times New Roman" panose="02020603050405020304" pitchFamily="18" charset="0"/>
-                      </a:endParaRPr>
-                    </a:p>
-                  </a:txBody>
-                  <a:tcPr marL="49687" marR="49687" marT="0" marB="0"/>
-                </a:tc>
-                <a:tc>
-                  <a:txBody>
-                    <a:bodyPr/>
-                    <a:lstStyle/>
-                    <a:p>
-                      <a:pPr>
-                        <a:lnSpc>
-                          <a:spcPct val="115000"/>
-                        </a:lnSpc>
-                        <a:spcAft>
-                          <a:spcPts val="1000"/>
-                        </a:spcAft>
-                      </a:pPr>
-                      <a:r>
-                        <a:rPr lang="en-US" sz="1050">
-                          <a:effectLst/>
-                          <a:latin typeface="Helvetica" pitchFamily="2" charset="0"/>
-                        </a:rPr>
-                        <a:t>Входные потоки (откуда)</a:t>
-                      </a:r>
-                      <a:endParaRPr lang="ru-US" sz="1050">
-                        <a:effectLst/>
-                        <a:latin typeface="Helvetica" pitchFamily="2" charset="0"/>
-                        <a:ea typeface="MS Mincho" panose="02020609040205080304" pitchFamily="49" charset="-128"/>
-                        <a:cs typeface="Times New Roman" panose="02020603050405020304" pitchFamily="18" charset="0"/>
-                      </a:endParaRPr>
-                    </a:p>
-                  </a:txBody>
-                  <a:tcPr marL="49687" marR="49687" marT="0" marB="0"/>
-                </a:tc>
-                <a:tc>
-                  <a:txBody>
-                    <a:bodyPr/>
-                    <a:lstStyle/>
-                    <a:p>
-                      <a:pPr>
-                        <a:lnSpc>
-                          <a:spcPct val="115000"/>
-                        </a:lnSpc>
-                        <a:spcAft>
-                          <a:spcPts val="1000"/>
-                        </a:spcAft>
-                      </a:pPr>
-                      <a:r>
-                        <a:rPr lang="en-US" sz="1050">
-                          <a:effectLst/>
-                          <a:latin typeface="Helvetica" pitchFamily="2" charset="0"/>
-                        </a:rPr>
-                        <a:t>Выходные потоки (куда)</a:t>
-                      </a:r>
-                      <a:endParaRPr lang="ru-US" sz="1050">
-                        <a:effectLst/>
-                        <a:latin typeface="Helvetica" pitchFamily="2" charset="0"/>
-                        <a:ea typeface="MS Mincho" panose="02020609040205080304" pitchFamily="49" charset="-128"/>
-                        <a:cs typeface="Times New Roman" panose="02020603050405020304" pitchFamily="18" charset="0"/>
-                      </a:endParaRPr>
-                    </a:p>
-                  </a:txBody>
-                  <a:tcPr marL="49687" marR="49687" marT="0" marB="0"/>
-                </a:tc>
-                <a:extLst>
-                  <a:ext uri="{0D108BD9-81ED-4DB2-BD59-A6C34878D82A}">
-                    <a16:rowId xmlns:a16="http://schemas.microsoft.com/office/drawing/2014/main" val="1211521705"/>
-                  </a:ext>
-                </a:extLst>
-              </a:tr>
-              <a:tr h="411501">
-                <a:tc>
-                  <a:txBody>
-                    <a:bodyPr/>
-                    <a:lstStyle/>
-                    <a:p>
-                      <a:pPr>
-                        <a:lnSpc>
-                          <a:spcPct val="115000"/>
-                        </a:lnSpc>
-                        <a:spcAft>
-                          <a:spcPts val="1000"/>
-                        </a:spcAft>
-                      </a:pPr>
-                      <a:r>
-                        <a:rPr lang="en-US" sz="1050" dirty="0">
-                          <a:effectLst/>
-                          <a:latin typeface="Helvetica" pitchFamily="2" charset="0"/>
-                        </a:rPr>
-                        <a:t>A1. </a:t>
-                      </a:r>
-                      <a:r>
-                        <a:rPr lang="ru-RU" sz="1050">
-                          <a:effectLst/>
-                          <a:latin typeface="Helvetica" pitchFamily="2" charset="0"/>
-                        </a:rPr>
-                        <a:t>Р</a:t>
-                      </a:r>
-                      <a:r>
-                        <a:rPr lang="en-US" sz="1050">
-                          <a:effectLst/>
-                          <a:latin typeface="Helvetica" pitchFamily="2" charset="0"/>
-                        </a:rPr>
-                        <a:t>егистрировать</a:t>
-                      </a:r>
-                      <a:r>
-                        <a:rPr lang="en-US" sz="1050" dirty="0">
-                          <a:effectLst/>
-                          <a:latin typeface="Helvetica" pitchFamily="2" charset="0"/>
-                        </a:rPr>
-                        <a:t> </a:t>
-                      </a:r>
-                      <a:r>
-                        <a:rPr lang="en-US" sz="1050" dirty="0" err="1">
-                          <a:effectLst/>
-                          <a:latin typeface="Helvetica" pitchFamily="2" charset="0"/>
-                        </a:rPr>
-                        <a:t>заявку</a:t>
-                      </a:r>
-                      <a:endParaRPr lang="ru-US" sz="1050" dirty="0">
-                        <a:effectLst/>
-                        <a:latin typeface="Helvetica" pitchFamily="2" charset="0"/>
-                        <a:ea typeface="MS Mincho" panose="02020609040205080304" pitchFamily="49" charset="-128"/>
-                        <a:cs typeface="Times New Roman" panose="02020603050405020304" pitchFamily="18" charset="0"/>
-                      </a:endParaRPr>
-                    </a:p>
-                  </a:txBody>
-                  <a:tcPr marL="49687" marR="49687" marT="0" marB="0"/>
-                </a:tc>
-                <a:tc>
-                  <a:txBody>
-                    <a:bodyPr/>
-                    <a:lstStyle/>
-                    <a:p>
-                      <a:pPr>
-                        <a:lnSpc>
-                          <a:spcPct val="115000"/>
-                        </a:lnSpc>
-                        <a:spcAft>
-                          <a:spcPts val="1000"/>
-                        </a:spcAft>
-                      </a:pPr>
-                      <a:r>
-                        <a:rPr lang="en-US" sz="1050" dirty="0" err="1">
-                          <a:effectLst/>
-                          <a:latin typeface="Helvetica" pitchFamily="2" charset="0"/>
-                        </a:rPr>
-                        <a:t>Заявка</a:t>
-                      </a:r>
-                      <a:r>
-                        <a:rPr lang="en-US" sz="1050" dirty="0">
-                          <a:effectLst/>
-                          <a:latin typeface="Helvetica" pitchFamily="2" charset="0"/>
-                        </a:rPr>
-                        <a:t>/</a:t>
-                      </a:r>
-                      <a:r>
-                        <a:rPr lang="en-US" sz="1050" dirty="0" err="1">
-                          <a:effectLst/>
-                          <a:latin typeface="Helvetica" pitchFamily="2" charset="0"/>
-                        </a:rPr>
-                        <a:t>заказ</a:t>
-                      </a:r>
-                      <a:r>
-                        <a:rPr lang="en-US" sz="1050" dirty="0">
-                          <a:effectLst/>
-                          <a:latin typeface="Helvetica" pitchFamily="2" charset="0"/>
-                        </a:rPr>
-                        <a:t> </a:t>
-                      </a:r>
-                      <a:r>
-                        <a:rPr lang="en-US" sz="1050" dirty="0" err="1">
-                          <a:effectLst/>
-                          <a:latin typeface="Helvetica" pitchFamily="2" charset="0"/>
-                        </a:rPr>
-                        <a:t>на</a:t>
-                      </a:r>
-                      <a:r>
-                        <a:rPr lang="en-US" sz="1050" dirty="0">
-                          <a:effectLst/>
-                          <a:latin typeface="Helvetica" pitchFamily="2" charset="0"/>
-                        </a:rPr>
-                        <a:t> </a:t>
-                      </a:r>
-                      <a:r>
-                        <a:rPr lang="en-US" sz="1050" dirty="0" err="1">
-                          <a:effectLst/>
-                          <a:latin typeface="Helvetica" pitchFamily="2" charset="0"/>
-                        </a:rPr>
-                        <a:t>работу</a:t>
-                      </a:r>
-                      <a:endParaRPr lang="ru-US" sz="1050" dirty="0">
-                        <a:effectLst/>
-                        <a:latin typeface="Helvetica" pitchFamily="2" charset="0"/>
-                        <a:ea typeface="MS Mincho" panose="02020609040205080304" pitchFamily="49" charset="-128"/>
-                        <a:cs typeface="Times New Roman" panose="02020603050405020304" pitchFamily="18" charset="0"/>
-                      </a:endParaRPr>
-                    </a:p>
-                  </a:txBody>
-                  <a:tcPr marL="49687" marR="49687" marT="0" marB="0"/>
-                </a:tc>
-                <a:tc>
-                  <a:txBody>
-                    <a:bodyPr/>
-                    <a:lstStyle/>
-                    <a:p>
-                      <a:pPr>
-                        <a:lnSpc>
-                          <a:spcPct val="115000"/>
-                        </a:lnSpc>
-                        <a:spcAft>
-                          <a:spcPts val="1000"/>
-                        </a:spcAft>
-                      </a:pPr>
-                      <a:r>
-                        <a:rPr lang="en-US" sz="1050" dirty="0" err="1">
-                          <a:effectLst/>
-                          <a:latin typeface="Helvetica" pitchFamily="2" charset="0"/>
-                        </a:rPr>
-                        <a:t>Квитанция</a:t>
-                      </a:r>
-                      <a:r>
-                        <a:rPr lang="en-US" sz="1050" dirty="0">
-                          <a:effectLst/>
-                          <a:latin typeface="Helvetica" pitchFamily="2" charset="0"/>
-                        </a:rPr>
-                        <a:t> </a:t>
-                      </a:r>
-                      <a:r>
-                        <a:rPr lang="en-US" sz="1050" dirty="0" err="1">
-                          <a:effectLst/>
-                          <a:latin typeface="Helvetica" pitchFamily="2" charset="0"/>
-                        </a:rPr>
-                        <a:t>регистрации</a:t>
-                      </a:r>
-                      <a:r>
-                        <a:rPr lang="en-US" sz="1050" dirty="0">
-                          <a:effectLst/>
-                          <a:latin typeface="Helvetica" pitchFamily="2" charset="0"/>
-                        </a:rPr>
-                        <a:t> </a:t>
-                      </a:r>
-                      <a:r>
-                        <a:rPr lang="en-US" sz="1050" dirty="0" err="1">
-                          <a:effectLst/>
-                          <a:latin typeface="Helvetica" pitchFamily="2" charset="0"/>
-                        </a:rPr>
-                        <a:t>заявки</a:t>
-                      </a:r>
-                      <a:br>
-                        <a:rPr lang="en-US" sz="1050" dirty="0">
-                          <a:effectLst/>
-                          <a:latin typeface="Helvetica" pitchFamily="2" charset="0"/>
-                        </a:rPr>
-                      </a:br>
-                      <a:r>
-                        <a:rPr lang="en-US" sz="1050" dirty="0" err="1">
-                          <a:effectLst/>
-                          <a:latin typeface="Helvetica" pitchFamily="2" charset="0"/>
-                        </a:rPr>
-                        <a:t>Запись</a:t>
-                      </a:r>
-                      <a:r>
-                        <a:rPr lang="en-US" sz="1050" dirty="0">
-                          <a:effectLst/>
-                          <a:latin typeface="Helvetica" pitchFamily="2" charset="0"/>
-                        </a:rPr>
-                        <a:t> </a:t>
-                      </a:r>
-                      <a:r>
-                        <a:rPr lang="en-US" sz="1050" dirty="0" err="1">
-                          <a:effectLst/>
-                          <a:latin typeface="Helvetica" pitchFamily="2" charset="0"/>
-                        </a:rPr>
-                        <a:t>о</a:t>
-                      </a:r>
-                      <a:r>
-                        <a:rPr lang="en-US" sz="1050" dirty="0">
-                          <a:effectLst/>
-                          <a:latin typeface="Helvetica" pitchFamily="2" charset="0"/>
-                        </a:rPr>
-                        <a:t> </a:t>
-                      </a:r>
-                      <a:r>
-                        <a:rPr lang="en-US" sz="1050" dirty="0" err="1">
-                          <a:effectLst/>
-                          <a:latin typeface="Helvetica" pitchFamily="2" charset="0"/>
-                        </a:rPr>
-                        <a:t>заявке</a:t>
-                      </a:r>
-                      <a:endParaRPr lang="ru-US" sz="1050" dirty="0">
-                        <a:effectLst/>
-                        <a:latin typeface="Helvetica" pitchFamily="2" charset="0"/>
-                        <a:ea typeface="MS Mincho" panose="02020609040205080304" pitchFamily="49" charset="-128"/>
-                        <a:cs typeface="Times New Roman" panose="02020603050405020304" pitchFamily="18" charset="0"/>
-                      </a:endParaRPr>
-                    </a:p>
-                  </a:txBody>
-                  <a:tcPr marL="49687" marR="49687" marT="0" marB="0"/>
-                </a:tc>
-                <a:extLst>
-                  <a:ext uri="{0D108BD9-81ED-4DB2-BD59-A6C34878D82A}">
-                    <a16:rowId xmlns:a16="http://schemas.microsoft.com/office/drawing/2014/main" val="3924107664"/>
-                  </a:ext>
-                </a:extLst>
-              </a:tr>
-              <a:tr h="832017">
-                <a:tc>
-                  <a:txBody>
-                    <a:bodyPr/>
-                    <a:lstStyle/>
-                    <a:p>
-                      <a:pPr>
-                        <a:lnSpc>
-                          <a:spcPct val="115000"/>
-                        </a:lnSpc>
-                        <a:spcAft>
-                          <a:spcPts val="1000"/>
-                        </a:spcAft>
-                      </a:pPr>
-                      <a:r>
-                        <a:rPr lang="en-US" sz="1050">
-                          <a:effectLst/>
-                          <a:latin typeface="Helvetica" pitchFamily="2" charset="0"/>
-                        </a:rPr>
-                        <a:t>A2. Проверить права и условия договора</a:t>
-                      </a:r>
-                      <a:endParaRPr lang="ru-US" sz="1050">
-                        <a:effectLst/>
-                        <a:latin typeface="Helvetica" pitchFamily="2" charset="0"/>
-                        <a:ea typeface="MS Mincho" panose="02020609040205080304" pitchFamily="49" charset="-128"/>
-                        <a:cs typeface="Times New Roman" panose="02020603050405020304" pitchFamily="18" charset="0"/>
-                      </a:endParaRPr>
-                    </a:p>
-                  </a:txBody>
-                  <a:tcPr marL="49687" marR="49687" marT="0" marB="0"/>
-                </a:tc>
-                <a:tc>
-                  <a:txBody>
-                    <a:bodyPr/>
-                    <a:lstStyle/>
-                    <a:p>
-                      <a:pPr>
-                        <a:lnSpc>
-                          <a:spcPct val="115000"/>
-                        </a:lnSpc>
-                        <a:spcAft>
-                          <a:spcPts val="1000"/>
-                        </a:spcAft>
-                      </a:pPr>
-                      <a:r>
-                        <a:rPr lang="en-US" sz="1050" dirty="0" err="1">
-                          <a:effectLst/>
-                          <a:latin typeface="Helvetica" pitchFamily="2" charset="0"/>
-                        </a:rPr>
-                        <a:t>Квитанция</a:t>
-                      </a:r>
-                      <a:r>
-                        <a:rPr lang="en-US" sz="1050" dirty="0">
-                          <a:effectLst/>
-                          <a:latin typeface="Helvetica" pitchFamily="2" charset="0"/>
-                        </a:rPr>
-                        <a:t> </a:t>
-                      </a:r>
-                      <a:r>
-                        <a:rPr lang="en-US" sz="1050" dirty="0" err="1">
-                          <a:effectLst/>
-                          <a:latin typeface="Helvetica" pitchFamily="2" charset="0"/>
-                        </a:rPr>
-                        <a:t>регистрации</a:t>
-                      </a:r>
-                      <a:r>
-                        <a:rPr lang="en-US" sz="1050" dirty="0">
-                          <a:effectLst/>
-                          <a:latin typeface="Helvetica" pitchFamily="2" charset="0"/>
-                        </a:rPr>
-                        <a:t> </a:t>
-                      </a:r>
-                      <a:r>
-                        <a:rPr lang="en-US" sz="1050" dirty="0" err="1">
-                          <a:effectLst/>
-                          <a:latin typeface="Helvetica" pitchFamily="2" charset="0"/>
-                        </a:rPr>
-                        <a:t>заявки</a:t>
-                      </a:r>
-                      <a:br>
-                        <a:rPr lang="en-US" sz="1050" dirty="0">
-                          <a:effectLst/>
-                          <a:latin typeface="Helvetica" pitchFamily="2" charset="0"/>
-                        </a:rPr>
-                      </a:br>
-                      <a:r>
-                        <a:rPr lang="en-US" sz="1050" dirty="0" err="1">
-                          <a:effectLst/>
-                          <a:latin typeface="Helvetica" pitchFamily="2" charset="0"/>
-                        </a:rPr>
-                        <a:t>Данные</a:t>
-                      </a:r>
-                      <a:r>
-                        <a:rPr lang="en-US" sz="1050" dirty="0">
-                          <a:effectLst/>
-                          <a:latin typeface="Helvetica" pitchFamily="2" charset="0"/>
-                        </a:rPr>
-                        <a:t> </a:t>
-                      </a:r>
-                      <a:r>
-                        <a:rPr lang="en-US" sz="1050" dirty="0" err="1">
-                          <a:effectLst/>
-                          <a:latin typeface="Helvetica" pitchFamily="2" charset="0"/>
-                        </a:rPr>
-                        <a:t>клиента</a:t>
-                      </a:r>
-                      <a:r>
-                        <a:rPr lang="en-US" sz="1050" dirty="0">
-                          <a:effectLst/>
-                          <a:latin typeface="Helvetica" pitchFamily="2" charset="0"/>
-                        </a:rPr>
-                        <a:t> </a:t>
-                      </a:r>
-                      <a:r>
-                        <a:rPr lang="en-US" sz="1050" dirty="0" err="1">
-                          <a:effectLst/>
-                          <a:latin typeface="Helvetica" pitchFamily="2" charset="0"/>
-                        </a:rPr>
-                        <a:t>и</a:t>
-                      </a:r>
-                      <a:r>
-                        <a:rPr lang="en-US" sz="1050" dirty="0">
-                          <a:effectLst/>
-                          <a:latin typeface="Helvetica" pitchFamily="2" charset="0"/>
-                        </a:rPr>
-                        <a:t> </a:t>
-                      </a:r>
-                      <a:r>
-                        <a:rPr lang="en-US" sz="1050" dirty="0" err="1">
-                          <a:effectLst/>
-                          <a:latin typeface="Helvetica" pitchFamily="2" charset="0"/>
-                        </a:rPr>
-                        <a:t>договора</a:t>
-                      </a:r>
-                      <a:br>
-                        <a:rPr lang="en-US" sz="1050" dirty="0">
-                          <a:effectLst/>
-                          <a:latin typeface="Helvetica" pitchFamily="2" charset="0"/>
-                        </a:rPr>
-                      </a:br>
-                      <a:r>
-                        <a:rPr lang="en-US" sz="1050" dirty="0" err="1">
-                          <a:effectLst/>
-                          <a:latin typeface="Helvetica" pitchFamily="2" charset="0"/>
-                        </a:rPr>
-                        <a:t>Роли</a:t>
-                      </a:r>
-                      <a:r>
-                        <a:rPr lang="en-US" sz="1050" dirty="0">
-                          <a:effectLst/>
-                          <a:latin typeface="Helvetica" pitchFamily="2" charset="0"/>
-                        </a:rPr>
-                        <a:t> </a:t>
-                      </a:r>
-                      <a:r>
-                        <a:rPr lang="en-US" sz="1050" dirty="0" err="1">
-                          <a:effectLst/>
-                          <a:latin typeface="Helvetica" pitchFamily="2" charset="0"/>
-                        </a:rPr>
-                        <a:t>и</a:t>
-                      </a:r>
-                      <a:r>
-                        <a:rPr lang="en-US" sz="1050" dirty="0">
-                          <a:effectLst/>
-                          <a:latin typeface="Helvetica" pitchFamily="2" charset="0"/>
-                        </a:rPr>
-                        <a:t> </a:t>
-                      </a:r>
-                      <a:r>
-                        <a:rPr lang="en-US" sz="1050" dirty="0" err="1">
-                          <a:effectLst/>
-                          <a:latin typeface="Helvetica" pitchFamily="2" charset="0"/>
-                        </a:rPr>
-                        <a:t>права</a:t>
-                      </a:r>
-                      <a:r>
-                        <a:rPr lang="en-US" sz="1050" dirty="0">
-                          <a:effectLst/>
-                          <a:latin typeface="Helvetica" pitchFamily="2" charset="0"/>
-                        </a:rPr>
-                        <a:t> </a:t>
-                      </a:r>
-                      <a:r>
-                        <a:rPr lang="en-US" sz="1050" dirty="0" err="1">
-                          <a:effectLst/>
-                          <a:latin typeface="Helvetica" pitchFamily="2" charset="0"/>
-                        </a:rPr>
-                        <a:t>доступа</a:t>
-                      </a:r>
-                      <a:endParaRPr lang="ru-US" sz="1050" dirty="0">
-                        <a:effectLst/>
-                        <a:latin typeface="Helvetica" pitchFamily="2" charset="0"/>
-                        <a:ea typeface="MS Mincho" panose="02020609040205080304" pitchFamily="49" charset="-128"/>
-                        <a:cs typeface="Times New Roman" panose="02020603050405020304" pitchFamily="18" charset="0"/>
-                      </a:endParaRPr>
-                    </a:p>
-                  </a:txBody>
-                  <a:tcPr marL="49687" marR="49687" marT="0" marB="0"/>
-                </a:tc>
-                <a:tc>
-                  <a:txBody>
-                    <a:bodyPr/>
-                    <a:lstStyle/>
-                    <a:p>
-                      <a:pPr>
-                        <a:lnSpc>
-                          <a:spcPct val="115000"/>
-                        </a:lnSpc>
-                        <a:spcAft>
-                          <a:spcPts val="1000"/>
-                        </a:spcAft>
-                      </a:pPr>
-                      <a:r>
-                        <a:rPr lang="en-US" sz="1050" dirty="0" err="1">
-                          <a:effectLst/>
-                          <a:latin typeface="Helvetica" pitchFamily="2" charset="0"/>
-                        </a:rPr>
-                        <a:t>Решение</a:t>
-                      </a:r>
-                      <a:r>
-                        <a:rPr lang="en-US" sz="1050" dirty="0">
-                          <a:effectLst/>
-                          <a:latin typeface="Helvetica" pitchFamily="2" charset="0"/>
-                        </a:rPr>
-                        <a:t> </a:t>
-                      </a:r>
-                      <a:r>
-                        <a:rPr lang="en-US" sz="1050" dirty="0" err="1">
-                          <a:effectLst/>
-                          <a:latin typeface="Helvetica" pitchFamily="2" charset="0"/>
-                        </a:rPr>
-                        <a:t>по</a:t>
-                      </a:r>
-                      <a:r>
-                        <a:rPr lang="en-US" sz="1050" dirty="0">
-                          <a:effectLst/>
-                          <a:latin typeface="Helvetica" pitchFamily="2" charset="0"/>
-                        </a:rPr>
-                        <a:t> </a:t>
-                      </a:r>
-                      <a:r>
-                        <a:rPr lang="en-US" sz="1050" dirty="0" err="1">
-                          <a:effectLst/>
-                          <a:latin typeface="Helvetica" pitchFamily="2" charset="0"/>
-                        </a:rPr>
-                        <a:t>доступу</a:t>
-                      </a:r>
-                      <a:r>
-                        <a:rPr lang="en-US" sz="1050" dirty="0">
-                          <a:effectLst/>
-                          <a:latin typeface="Helvetica" pitchFamily="2" charset="0"/>
-                        </a:rPr>
-                        <a:t>/</a:t>
-                      </a:r>
-                      <a:r>
-                        <a:rPr lang="en-US" sz="1050" dirty="0" err="1">
-                          <a:effectLst/>
-                          <a:latin typeface="Helvetica" pitchFamily="2" charset="0"/>
-                        </a:rPr>
-                        <a:t>условия</a:t>
-                      </a:r>
-                      <a:endParaRPr lang="ru-US" sz="1050" dirty="0">
-                        <a:effectLst/>
-                        <a:latin typeface="Helvetica" pitchFamily="2" charset="0"/>
-                        <a:ea typeface="MS Mincho" panose="02020609040205080304" pitchFamily="49" charset="-128"/>
-                        <a:cs typeface="Times New Roman" panose="02020603050405020304" pitchFamily="18" charset="0"/>
-                      </a:endParaRPr>
-                    </a:p>
-                  </a:txBody>
-                  <a:tcPr marL="49687" marR="49687" marT="0" marB="0"/>
-                </a:tc>
-                <a:extLst>
-                  <a:ext uri="{0D108BD9-81ED-4DB2-BD59-A6C34878D82A}">
-                    <a16:rowId xmlns:a16="http://schemas.microsoft.com/office/drawing/2014/main" val="3669599087"/>
-                  </a:ext>
-                </a:extLst>
-              </a:tr>
-              <a:tr h="686290">
-                <a:tc>
-                  <a:txBody>
-                    <a:bodyPr/>
-                    <a:lstStyle/>
-                    <a:p>
-                      <a:pPr>
-                        <a:lnSpc>
-                          <a:spcPct val="115000"/>
-                        </a:lnSpc>
-                        <a:spcAft>
-                          <a:spcPts val="1000"/>
-                        </a:spcAft>
-                      </a:pPr>
-                      <a:r>
-                        <a:rPr lang="en-US" sz="1050">
-                          <a:effectLst/>
-                          <a:latin typeface="Helvetica" pitchFamily="2" charset="0"/>
-                        </a:rPr>
-                        <a:t>A3. Подобрать / оцифровать / маркировать документ</a:t>
-                      </a:r>
-                      <a:endParaRPr lang="ru-US" sz="1050">
-                        <a:effectLst/>
-                        <a:latin typeface="Helvetica" pitchFamily="2" charset="0"/>
-                        <a:ea typeface="MS Mincho" panose="02020609040205080304" pitchFamily="49" charset="-128"/>
-                        <a:cs typeface="Times New Roman" panose="02020603050405020304" pitchFamily="18" charset="0"/>
-                      </a:endParaRPr>
-                    </a:p>
-                  </a:txBody>
-                  <a:tcPr marL="49687" marR="49687" marT="0" marB="0"/>
-                </a:tc>
-                <a:tc>
-                  <a:txBody>
-                    <a:bodyPr/>
-                    <a:lstStyle/>
-                    <a:p>
-                      <a:pPr>
-                        <a:lnSpc>
-                          <a:spcPct val="115000"/>
-                        </a:lnSpc>
-                        <a:spcAft>
-                          <a:spcPts val="1000"/>
-                        </a:spcAft>
-                      </a:pPr>
-                      <a:r>
-                        <a:rPr lang="en-US" sz="1050" dirty="0" err="1">
-                          <a:effectLst/>
-                          <a:latin typeface="Helvetica" pitchFamily="2" charset="0"/>
-                        </a:rPr>
-                        <a:t>Решение</a:t>
-                      </a:r>
-                      <a:r>
-                        <a:rPr lang="en-US" sz="1050" dirty="0">
-                          <a:effectLst/>
-                          <a:latin typeface="Helvetica" pitchFamily="2" charset="0"/>
-                        </a:rPr>
-                        <a:t> </a:t>
-                      </a:r>
-                      <a:r>
-                        <a:rPr lang="en-US" sz="1050" dirty="0" err="1">
-                          <a:effectLst/>
-                          <a:latin typeface="Helvetica" pitchFamily="2" charset="0"/>
-                        </a:rPr>
-                        <a:t>по</a:t>
-                      </a:r>
-                      <a:r>
-                        <a:rPr lang="en-US" sz="1050" dirty="0">
-                          <a:effectLst/>
-                          <a:latin typeface="Helvetica" pitchFamily="2" charset="0"/>
-                        </a:rPr>
-                        <a:t> </a:t>
-                      </a:r>
-                      <a:r>
-                        <a:rPr lang="en-US" sz="1050" dirty="0" err="1">
-                          <a:effectLst/>
-                          <a:latin typeface="Helvetica" pitchFamily="2" charset="0"/>
-                        </a:rPr>
-                        <a:t>доступу</a:t>
-                      </a:r>
-                      <a:r>
-                        <a:rPr lang="en-US" sz="1050" dirty="0">
-                          <a:effectLst/>
-                          <a:latin typeface="Helvetica" pitchFamily="2" charset="0"/>
-                        </a:rPr>
-                        <a:t>/</a:t>
-                      </a:r>
-                      <a:r>
-                        <a:rPr lang="en-US" sz="1050" dirty="0" err="1">
-                          <a:effectLst/>
-                          <a:latin typeface="Helvetica" pitchFamily="2" charset="0"/>
-                        </a:rPr>
-                        <a:t>условия</a:t>
-                      </a:r>
-                      <a:br>
-                        <a:rPr lang="en-US" sz="1050" dirty="0">
-                          <a:effectLst/>
-                          <a:latin typeface="Helvetica" pitchFamily="2" charset="0"/>
-                        </a:rPr>
-                      </a:br>
-                      <a:r>
-                        <a:rPr lang="en-US" sz="1050" dirty="0" err="1">
-                          <a:effectLst/>
-                          <a:latin typeface="Helvetica" pitchFamily="2" charset="0"/>
-                        </a:rPr>
-                        <a:t>Файл</a:t>
-                      </a:r>
-                      <a:r>
-                        <a:rPr lang="en-US" sz="1050" dirty="0">
-                          <a:effectLst/>
-                          <a:latin typeface="Helvetica" pitchFamily="2" charset="0"/>
-                        </a:rPr>
-                        <a:t> (</a:t>
-                      </a:r>
-                      <a:r>
-                        <a:rPr lang="en-US" sz="1050" dirty="0" err="1">
-                          <a:effectLst/>
-                          <a:latin typeface="Helvetica" pitchFamily="2" charset="0"/>
-                        </a:rPr>
-                        <a:t>скан</a:t>
-                      </a:r>
-                      <a:r>
-                        <a:rPr lang="en-US" sz="1050" dirty="0">
-                          <a:effectLst/>
-                          <a:latin typeface="Helvetica" pitchFamily="2" charset="0"/>
-                        </a:rPr>
-                        <a:t>) </a:t>
-                      </a:r>
-                      <a:r>
-                        <a:rPr lang="en-US" sz="1050" dirty="0" err="1">
-                          <a:effectLst/>
-                          <a:latin typeface="Helvetica" pitchFamily="2" charset="0"/>
-                        </a:rPr>
-                        <a:t>и</a:t>
-                      </a:r>
-                      <a:r>
-                        <a:rPr lang="en-US" sz="1050" dirty="0">
-                          <a:effectLst/>
-                          <a:latin typeface="Helvetica" pitchFamily="2" charset="0"/>
-                        </a:rPr>
-                        <a:t> </a:t>
-                      </a:r>
-                      <a:r>
-                        <a:rPr lang="en-US" sz="1050" dirty="0" err="1">
-                          <a:effectLst/>
-                          <a:latin typeface="Helvetica" pitchFamily="2" charset="0"/>
-                        </a:rPr>
-                        <a:t>атрибуты</a:t>
-                      </a:r>
-                      <a:endParaRPr lang="ru-US" sz="1050" dirty="0">
-                        <a:effectLst/>
-                        <a:latin typeface="Helvetica" pitchFamily="2" charset="0"/>
-                        <a:ea typeface="MS Mincho" panose="02020609040205080304" pitchFamily="49" charset="-128"/>
-                        <a:cs typeface="Times New Roman" panose="02020603050405020304" pitchFamily="18" charset="0"/>
-                      </a:endParaRPr>
-                    </a:p>
-                  </a:txBody>
-                  <a:tcPr marL="49687" marR="49687" marT="0" marB="0"/>
-                </a:tc>
-                <a:tc>
-                  <a:txBody>
-                    <a:bodyPr/>
-                    <a:lstStyle/>
-                    <a:p>
-                      <a:pPr>
-                        <a:lnSpc>
-                          <a:spcPct val="115000"/>
-                        </a:lnSpc>
-                        <a:spcAft>
-                          <a:spcPts val="1000"/>
-                        </a:spcAft>
-                      </a:pPr>
-                      <a:r>
-                        <a:rPr lang="en-US" sz="1050" dirty="0" err="1">
-                          <a:effectLst/>
-                          <a:latin typeface="Helvetica" pitchFamily="2" charset="0"/>
-                        </a:rPr>
-                        <a:t>Подготовленный</a:t>
-                      </a:r>
-                      <a:r>
-                        <a:rPr lang="en-US" sz="1050" dirty="0">
-                          <a:effectLst/>
-                          <a:latin typeface="Helvetica" pitchFamily="2" charset="0"/>
-                        </a:rPr>
-                        <a:t> </a:t>
-                      </a:r>
-                      <a:r>
-                        <a:rPr lang="en-US" sz="1050" dirty="0" err="1">
-                          <a:effectLst/>
-                          <a:latin typeface="Helvetica" pitchFamily="2" charset="0"/>
-                        </a:rPr>
-                        <a:t>пакет</a:t>
-                      </a:r>
-                      <a:r>
-                        <a:rPr lang="en-US" sz="1050" dirty="0">
-                          <a:effectLst/>
-                          <a:latin typeface="Helvetica" pitchFamily="2" charset="0"/>
-                        </a:rPr>
-                        <a:t> </a:t>
-                      </a:r>
-                      <a:r>
-                        <a:rPr lang="en-US" sz="1050" dirty="0" err="1">
-                          <a:effectLst/>
-                          <a:latin typeface="Helvetica" pitchFamily="2" charset="0"/>
-                        </a:rPr>
-                        <a:t>документов</a:t>
-                      </a:r>
-                      <a:r>
-                        <a:rPr lang="en-US" sz="1050" dirty="0">
-                          <a:effectLst/>
-                          <a:latin typeface="Helvetica" pitchFamily="2" charset="0"/>
-                        </a:rPr>
-                        <a:t> </a:t>
-                      </a:r>
-                      <a:br>
-                        <a:rPr lang="en-US" sz="1050" dirty="0">
-                          <a:effectLst/>
-                          <a:latin typeface="Helvetica" pitchFamily="2" charset="0"/>
-                        </a:rPr>
-                      </a:br>
-                      <a:r>
-                        <a:rPr lang="en-US" sz="1050" dirty="0" err="1">
-                          <a:effectLst/>
-                          <a:latin typeface="Helvetica" pitchFamily="2" charset="0"/>
-                        </a:rPr>
-                        <a:t>Запрос</a:t>
-                      </a:r>
-                      <a:r>
-                        <a:rPr lang="en-US" sz="1050" dirty="0">
-                          <a:effectLst/>
-                          <a:latin typeface="Helvetica" pitchFamily="2" charset="0"/>
-                        </a:rPr>
-                        <a:t> </a:t>
-                      </a:r>
-                      <a:r>
-                        <a:rPr lang="en-US" sz="1050" dirty="0" err="1">
-                          <a:effectLst/>
-                          <a:latin typeface="Helvetica" pitchFamily="2" charset="0"/>
-                        </a:rPr>
-                        <a:t>на</a:t>
-                      </a:r>
-                      <a:r>
-                        <a:rPr lang="en-US" sz="1050" dirty="0">
-                          <a:effectLst/>
-                          <a:latin typeface="Helvetica" pitchFamily="2" charset="0"/>
-                        </a:rPr>
-                        <a:t> </a:t>
-                      </a:r>
-                      <a:r>
-                        <a:rPr lang="en-US" sz="1050" dirty="0" err="1">
-                          <a:effectLst/>
-                          <a:latin typeface="Helvetica" pitchFamily="2" charset="0"/>
-                        </a:rPr>
-                        <a:t>поиск</a:t>
-                      </a:r>
-                      <a:r>
-                        <a:rPr lang="en-US" sz="1050" dirty="0">
-                          <a:effectLst/>
-                          <a:latin typeface="Helvetica" pitchFamily="2" charset="0"/>
-                        </a:rPr>
-                        <a:t>/</a:t>
-                      </a:r>
-                      <a:r>
-                        <a:rPr lang="en-US" sz="1050" dirty="0" err="1">
-                          <a:effectLst/>
-                          <a:latin typeface="Helvetica" pitchFamily="2" charset="0"/>
-                        </a:rPr>
-                        <a:t>оцифровку</a:t>
-                      </a:r>
-                      <a:endParaRPr lang="ru-US" sz="1050" dirty="0">
-                        <a:effectLst/>
-                        <a:latin typeface="Helvetica" pitchFamily="2" charset="0"/>
-                        <a:ea typeface="MS Mincho" panose="02020609040205080304" pitchFamily="49" charset="-128"/>
-                        <a:cs typeface="Times New Roman" panose="02020603050405020304" pitchFamily="18" charset="0"/>
-                      </a:endParaRPr>
-                    </a:p>
-                  </a:txBody>
-                  <a:tcPr marL="49687" marR="49687" marT="0" marB="0"/>
-                </a:tc>
-                <a:extLst>
-                  <a:ext uri="{0D108BD9-81ED-4DB2-BD59-A6C34878D82A}">
-                    <a16:rowId xmlns:a16="http://schemas.microsoft.com/office/drawing/2014/main" val="4054280062"/>
-                  </a:ext>
-                </a:extLst>
-              </a:tr>
-              <a:tr h="1244852">
-                <a:tc>
-                  <a:txBody>
-                    <a:bodyPr/>
-                    <a:lstStyle/>
-                    <a:p>
-                      <a:pPr>
-                        <a:lnSpc>
-                          <a:spcPct val="115000"/>
-                        </a:lnSpc>
-                        <a:spcAft>
-                          <a:spcPts val="1000"/>
-                        </a:spcAft>
-                      </a:pPr>
-                      <a:r>
-                        <a:rPr lang="en-US" sz="1050">
-                          <a:effectLst/>
-                          <a:latin typeface="Helvetica" pitchFamily="2" charset="0"/>
-                        </a:rPr>
-                        <a:t>A4. Передать документ заказчику</a:t>
-                      </a:r>
-                      <a:endParaRPr lang="ru-US" sz="1050">
-                        <a:effectLst/>
-                        <a:latin typeface="Helvetica" pitchFamily="2" charset="0"/>
-                        <a:ea typeface="MS Mincho" panose="02020609040205080304" pitchFamily="49" charset="-128"/>
-                        <a:cs typeface="Times New Roman" panose="02020603050405020304" pitchFamily="18" charset="0"/>
-                      </a:endParaRPr>
-                    </a:p>
-                  </a:txBody>
-                  <a:tcPr marL="49687" marR="49687" marT="0" marB="0"/>
-                </a:tc>
-                <a:tc>
-                  <a:txBody>
-                    <a:bodyPr/>
-                    <a:lstStyle/>
-                    <a:p>
-                      <a:pPr>
-                        <a:lnSpc>
-                          <a:spcPct val="115000"/>
-                        </a:lnSpc>
-                        <a:spcAft>
-                          <a:spcPts val="1000"/>
-                        </a:spcAft>
-                      </a:pPr>
-                      <a:r>
-                        <a:rPr lang="en-US" sz="1050" dirty="0" err="1">
-                          <a:effectLst/>
-                          <a:latin typeface="Helvetica" pitchFamily="2" charset="0"/>
-                        </a:rPr>
-                        <a:t>Подготовленный</a:t>
-                      </a:r>
-                      <a:r>
-                        <a:rPr lang="en-US" sz="1050" dirty="0">
-                          <a:effectLst/>
-                          <a:latin typeface="Helvetica" pitchFamily="2" charset="0"/>
-                        </a:rPr>
-                        <a:t> </a:t>
-                      </a:r>
-                      <a:r>
-                        <a:rPr lang="en-US" sz="1050" dirty="0" err="1">
-                          <a:effectLst/>
-                          <a:latin typeface="Helvetica" pitchFamily="2" charset="0"/>
-                        </a:rPr>
-                        <a:t>пакет</a:t>
-                      </a:r>
-                      <a:r>
-                        <a:rPr lang="en-US" sz="1050" dirty="0">
-                          <a:effectLst/>
-                          <a:latin typeface="Helvetica" pitchFamily="2" charset="0"/>
-                        </a:rPr>
-                        <a:t> </a:t>
-                      </a:r>
-                      <a:r>
-                        <a:rPr lang="en-US" sz="1050" dirty="0" err="1">
-                          <a:effectLst/>
-                          <a:latin typeface="Helvetica" pitchFamily="2" charset="0"/>
-                        </a:rPr>
-                        <a:t>документов</a:t>
-                      </a:r>
-                      <a:br>
-                        <a:rPr lang="en-US" sz="1050" dirty="0">
-                          <a:effectLst/>
-                          <a:latin typeface="Helvetica" pitchFamily="2" charset="0"/>
-                        </a:rPr>
-                      </a:br>
-                      <a:r>
-                        <a:rPr lang="en-US" sz="1050" dirty="0" err="1">
-                          <a:effectLst/>
-                          <a:latin typeface="Helvetica" pitchFamily="2" charset="0"/>
-                        </a:rPr>
-                        <a:t>Готовность</a:t>
-                      </a:r>
-                      <a:r>
-                        <a:rPr lang="en-US" sz="1050" dirty="0">
-                          <a:effectLst/>
-                          <a:latin typeface="Helvetica" pitchFamily="2" charset="0"/>
-                        </a:rPr>
-                        <a:t>/</a:t>
-                      </a:r>
-                      <a:r>
-                        <a:rPr lang="en-US" sz="1050" dirty="0" err="1">
-                          <a:effectLst/>
-                          <a:latin typeface="Helvetica" pitchFamily="2" charset="0"/>
-                        </a:rPr>
-                        <a:t>статус</a:t>
-                      </a:r>
-                      <a:r>
-                        <a:rPr lang="en-US" sz="1050" dirty="0">
-                          <a:effectLst/>
-                          <a:latin typeface="Helvetica" pitchFamily="2" charset="0"/>
-                        </a:rPr>
-                        <a:t> </a:t>
-                      </a:r>
-                      <a:r>
-                        <a:rPr lang="en-US" sz="1050" dirty="0" err="1">
-                          <a:effectLst/>
-                          <a:latin typeface="Helvetica" pitchFamily="2" charset="0"/>
-                        </a:rPr>
-                        <a:t>выдачи</a:t>
-                      </a:r>
-                      <a:endParaRPr lang="ru-US" sz="1050" dirty="0">
-                        <a:effectLst/>
-                        <a:latin typeface="Helvetica" pitchFamily="2" charset="0"/>
-                        <a:ea typeface="MS Mincho" panose="02020609040205080304" pitchFamily="49" charset="-128"/>
-                        <a:cs typeface="Times New Roman" panose="02020603050405020304" pitchFamily="18" charset="0"/>
-                      </a:endParaRPr>
-                    </a:p>
-                  </a:txBody>
-                  <a:tcPr marL="49687" marR="49687" marT="0" marB="0"/>
-                </a:tc>
-                <a:tc>
-                  <a:txBody>
-                    <a:bodyPr/>
-                    <a:lstStyle/>
-                    <a:p>
-                      <a:pPr>
-                        <a:lnSpc>
-                          <a:spcPct val="115000"/>
-                        </a:lnSpc>
-                        <a:spcAft>
-                          <a:spcPts val="1000"/>
-                        </a:spcAft>
-                      </a:pPr>
-                      <a:r>
-                        <a:rPr lang="en-US" sz="1050" dirty="0" err="1">
-                          <a:effectLst/>
-                          <a:latin typeface="Helvetica" pitchFamily="2" charset="0"/>
-                        </a:rPr>
-                        <a:t>Результат</a:t>
-                      </a:r>
-                      <a:r>
-                        <a:rPr lang="en-US" sz="1050" dirty="0">
-                          <a:effectLst/>
-                          <a:latin typeface="Helvetica" pitchFamily="2" charset="0"/>
-                        </a:rPr>
-                        <a:t> </a:t>
-                      </a:r>
-                      <a:r>
-                        <a:rPr lang="en-US" sz="1050" dirty="0" err="1">
-                          <a:effectLst/>
-                          <a:latin typeface="Helvetica" pitchFamily="2" charset="0"/>
-                        </a:rPr>
-                        <a:t>предоставления</a:t>
-                      </a:r>
-                      <a:r>
-                        <a:rPr lang="en-US" sz="1050" dirty="0">
-                          <a:effectLst/>
-                          <a:latin typeface="Helvetica" pitchFamily="2" charset="0"/>
-                        </a:rPr>
-                        <a:t> (</a:t>
-                      </a:r>
-                      <a:r>
-                        <a:rPr lang="en-US" sz="1050" dirty="0" err="1">
-                          <a:effectLst/>
-                          <a:latin typeface="Helvetica" pitchFamily="2" charset="0"/>
-                        </a:rPr>
-                        <a:t>файл</a:t>
-                      </a:r>
-                      <a:r>
-                        <a:rPr lang="en-US" sz="1050" dirty="0">
-                          <a:effectLst/>
-                          <a:latin typeface="Helvetica" pitchFamily="2" charset="0"/>
-                        </a:rPr>
-                        <a:t>/</a:t>
-                      </a:r>
-                      <a:r>
-                        <a:rPr lang="en-US" sz="1050" dirty="0" err="1">
-                          <a:effectLst/>
-                          <a:latin typeface="Helvetica" pitchFamily="2" charset="0"/>
-                        </a:rPr>
-                        <a:t>доступ</a:t>
-                      </a:r>
-                      <a:r>
-                        <a:rPr lang="en-US" sz="1050" dirty="0">
-                          <a:effectLst/>
-                          <a:latin typeface="Helvetica" pitchFamily="2" charset="0"/>
-                        </a:rPr>
-                        <a:t>)</a:t>
-                      </a:r>
-                      <a:br>
-                        <a:rPr lang="en-US" sz="1050" dirty="0">
-                          <a:effectLst/>
-                          <a:latin typeface="Helvetica" pitchFamily="2" charset="0"/>
-                        </a:rPr>
-                      </a:br>
-                      <a:r>
-                        <a:rPr lang="en-US" sz="1050" dirty="0" err="1">
-                          <a:effectLst/>
-                          <a:latin typeface="Helvetica" pitchFamily="2" charset="0"/>
-                        </a:rPr>
-                        <a:t>Запись</a:t>
-                      </a:r>
-                      <a:r>
-                        <a:rPr lang="en-US" sz="1050" dirty="0">
-                          <a:effectLst/>
-                          <a:latin typeface="Helvetica" pitchFamily="2" charset="0"/>
-                        </a:rPr>
-                        <a:t> </a:t>
-                      </a:r>
-                      <a:r>
-                        <a:rPr lang="en-US" sz="1050" dirty="0" err="1">
-                          <a:effectLst/>
-                          <a:latin typeface="Helvetica" pitchFamily="2" charset="0"/>
-                        </a:rPr>
-                        <a:t>о</a:t>
-                      </a:r>
-                      <a:r>
-                        <a:rPr lang="en-US" sz="1050" dirty="0">
-                          <a:effectLst/>
-                          <a:latin typeface="Helvetica" pitchFamily="2" charset="0"/>
-                        </a:rPr>
-                        <a:t> </a:t>
-                      </a:r>
-                      <a:r>
-                        <a:rPr lang="en-US" sz="1050" dirty="0" err="1">
-                          <a:effectLst/>
-                          <a:latin typeface="Helvetica" pitchFamily="2" charset="0"/>
-                        </a:rPr>
-                        <a:t>выдаче</a:t>
-                      </a:r>
-                      <a:r>
-                        <a:rPr lang="en-US" sz="1050" dirty="0">
-                          <a:effectLst/>
-                          <a:latin typeface="Helvetica" pitchFamily="2" charset="0"/>
-                        </a:rPr>
-                        <a:t>/</a:t>
-                      </a:r>
-                      <a:r>
-                        <a:rPr lang="en-US" sz="1050" dirty="0" err="1">
-                          <a:effectLst/>
-                          <a:latin typeface="Helvetica" pitchFamily="2" charset="0"/>
-                        </a:rPr>
-                        <a:t>публикации</a:t>
-                      </a:r>
-                      <a:br>
-                        <a:rPr lang="en-US" sz="1050" dirty="0">
-                          <a:effectLst/>
-                          <a:latin typeface="Helvetica" pitchFamily="2" charset="0"/>
-                        </a:rPr>
-                      </a:br>
-                      <a:r>
-                        <a:rPr lang="en-US" sz="1050" dirty="0" err="1">
-                          <a:effectLst/>
-                          <a:latin typeface="Helvetica" pitchFamily="2" charset="0"/>
-                        </a:rPr>
-                        <a:t>Задание</a:t>
-                      </a:r>
-                      <a:r>
-                        <a:rPr lang="en-US" sz="1050" dirty="0">
-                          <a:effectLst/>
-                          <a:latin typeface="Helvetica" pitchFamily="2" charset="0"/>
-                        </a:rPr>
-                        <a:t> </a:t>
-                      </a:r>
-                      <a:r>
-                        <a:rPr lang="en-US" sz="1050" dirty="0" err="1">
-                          <a:effectLst/>
-                          <a:latin typeface="Helvetica" pitchFamily="2" charset="0"/>
-                        </a:rPr>
-                        <a:t>на</a:t>
-                      </a:r>
-                      <a:r>
-                        <a:rPr lang="en-US" sz="1050" dirty="0">
-                          <a:effectLst/>
-                          <a:latin typeface="Helvetica" pitchFamily="2" charset="0"/>
-                        </a:rPr>
-                        <a:t> </a:t>
-                      </a:r>
-                      <a:r>
-                        <a:rPr lang="en-US" sz="1050" dirty="0" err="1">
-                          <a:effectLst/>
-                          <a:latin typeface="Helvetica" pitchFamily="2" charset="0"/>
-                        </a:rPr>
-                        <a:t>поиск</a:t>
-                      </a:r>
-                      <a:r>
-                        <a:rPr lang="en-US" sz="1050" dirty="0">
-                          <a:effectLst/>
-                          <a:latin typeface="Helvetica" pitchFamily="2" charset="0"/>
-                        </a:rPr>
-                        <a:t>/</a:t>
-                      </a:r>
-                      <a:r>
-                        <a:rPr lang="en-US" sz="1050" dirty="0" err="1">
-                          <a:effectLst/>
-                          <a:latin typeface="Helvetica" pitchFamily="2" charset="0"/>
-                        </a:rPr>
-                        <a:t>подготовку</a:t>
-                      </a:r>
-                      <a:r>
-                        <a:rPr lang="en-US" sz="1050" dirty="0">
-                          <a:effectLst/>
-                          <a:latin typeface="Helvetica" pitchFamily="2" charset="0"/>
-                        </a:rPr>
-                        <a:t> </a:t>
-                      </a:r>
-                      <a:endParaRPr lang="ru-US" sz="1050" dirty="0">
-                        <a:effectLst/>
-                        <a:latin typeface="Helvetica" pitchFamily="2" charset="0"/>
-                        <a:ea typeface="MS Mincho" panose="02020609040205080304" pitchFamily="49" charset="-128"/>
-                        <a:cs typeface="Times New Roman" panose="02020603050405020304" pitchFamily="18" charset="0"/>
-                      </a:endParaRPr>
-                    </a:p>
-                  </a:txBody>
-                  <a:tcPr marL="49687" marR="49687" marT="0" marB="0"/>
-                </a:tc>
-                <a:extLst>
-                  <a:ext uri="{0D108BD9-81ED-4DB2-BD59-A6C34878D82A}">
-                    <a16:rowId xmlns:a16="http://schemas.microsoft.com/office/drawing/2014/main" val="726483593"/>
-                  </a:ext>
-                </a:extLst>
-              </a:tr>
-              <a:tr h="832017">
-                <a:tc>
-                  <a:txBody>
-                    <a:bodyPr/>
-                    <a:lstStyle/>
-                    <a:p>
-                      <a:pPr>
-                        <a:lnSpc>
-                          <a:spcPct val="115000"/>
-                        </a:lnSpc>
-                        <a:spcAft>
-                          <a:spcPts val="1000"/>
-                        </a:spcAft>
-                      </a:pPr>
-                      <a:r>
-                        <a:rPr lang="en-US" sz="1050">
-                          <a:effectLst/>
-                          <a:latin typeface="Helvetica" pitchFamily="2" charset="0"/>
-                        </a:rPr>
-                        <a:t>A5. Закрыть заявку и учесть возврат/сроки</a:t>
-                      </a:r>
-                      <a:endParaRPr lang="ru-US" sz="1050">
-                        <a:effectLst/>
-                        <a:latin typeface="Helvetica" pitchFamily="2" charset="0"/>
-                        <a:ea typeface="MS Mincho" panose="02020609040205080304" pitchFamily="49" charset="-128"/>
-                        <a:cs typeface="Times New Roman" panose="02020603050405020304" pitchFamily="18" charset="0"/>
-                      </a:endParaRPr>
-                    </a:p>
-                  </a:txBody>
-                  <a:tcPr marL="49687" marR="49687" marT="0" marB="0"/>
-                </a:tc>
-                <a:tc>
-                  <a:txBody>
-                    <a:bodyPr/>
-                    <a:lstStyle/>
-                    <a:p>
-                      <a:pPr>
-                        <a:lnSpc>
-                          <a:spcPct val="115000"/>
-                        </a:lnSpc>
-                        <a:spcAft>
-                          <a:spcPts val="1000"/>
-                        </a:spcAft>
-                      </a:pPr>
-                      <a:r>
-                        <a:rPr lang="en-US" sz="1050" dirty="0" err="1">
-                          <a:effectLst/>
-                          <a:latin typeface="Helvetica" pitchFamily="2" charset="0"/>
-                        </a:rPr>
-                        <a:t>Подтверждение</a:t>
-                      </a:r>
-                      <a:r>
-                        <a:rPr lang="en-US" sz="1050" dirty="0">
-                          <a:effectLst/>
-                          <a:latin typeface="Helvetica" pitchFamily="2" charset="0"/>
-                        </a:rPr>
-                        <a:t> </a:t>
-                      </a:r>
-                      <a:r>
-                        <a:rPr lang="en-US" sz="1050" dirty="0" err="1">
-                          <a:effectLst/>
-                          <a:latin typeface="Helvetica" pitchFamily="2" charset="0"/>
-                        </a:rPr>
-                        <a:t>получения</a:t>
-                      </a:r>
-                      <a:r>
-                        <a:rPr lang="en-US" sz="1050" dirty="0">
-                          <a:effectLst/>
-                          <a:latin typeface="Helvetica" pitchFamily="2" charset="0"/>
-                        </a:rPr>
-                        <a:t>/</a:t>
-                      </a:r>
-                      <a:r>
-                        <a:rPr lang="en-US" sz="1050" dirty="0" err="1">
-                          <a:effectLst/>
-                          <a:latin typeface="Helvetica" pitchFamily="2" charset="0"/>
-                        </a:rPr>
-                        <a:t>возврата</a:t>
-                      </a:r>
-                      <a:endParaRPr lang="ru-US" sz="1050" dirty="0">
-                        <a:effectLst/>
-                        <a:latin typeface="Helvetica" pitchFamily="2" charset="0"/>
-                        <a:ea typeface="MS Mincho" panose="02020609040205080304" pitchFamily="49" charset="-128"/>
-                        <a:cs typeface="Times New Roman" panose="02020603050405020304" pitchFamily="18" charset="0"/>
-                      </a:endParaRPr>
-                    </a:p>
-                  </a:txBody>
-                  <a:tcPr marL="49687" marR="49687" marT="0" marB="0"/>
-                </a:tc>
-                <a:tc>
-                  <a:txBody>
-                    <a:bodyPr/>
-                    <a:lstStyle/>
-                    <a:p>
-                      <a:pPr>
-                        <a:lnSpc>
-                          <a:spcPct val="115000"/>
-                        </a:lnSpc>
-                        <a:spcAft>
-                          <a:spcPts val="1000"/>
-                        </a:spcAft>
-                      </a:pPr>
-                      <a:r>
-                        <a:rPr lang="en-US" sz="1050" dirty="0" err="1">
-                          <a:effectLst/>
-                          <a:latin typeface="Helvetica" pitchFamily="2" charset="0"/>
-                        </a:rPr>
-                        <a:t>Запись</a:t>
-                      </a:r>
-                      <a:r>
-                        <a:rPr lang="en-US" sz="1050" dirty="0">
-                          <a:effectLst/>
-                          <a:latin typeface="Helvetica" pitchFamily="2" charset="0"/>
-                        </a:rPr>
-                        <a:t> </a:t>
-                      </a:r>
-                      <a:r>
-                        <a:rPr lang="en-US" sz="1050" dirty="0" err="1">
-                          <a:effectLst/>
-                          <a:latin typeface="Helvetica" pitchFamily="2" charset="0"/>
-                        </a:rPr>
-                        <a:t>о</a:t>
-                      </a:r>
-                      <a:r>
-                        <a:rPr lang="en-US" sz="1050" dirty="0">
-                          <a:effectLst/>
-                          <a:latin typeface="Helvetica" pitchFamily="2" charset="0"/>
-                        </a:rPr>
-                        <a:t> </a:t>
-                      </a:r>
-                      <a:r>
-                        <a:rPr lang="en-US" sz="1050" dirty="0" err="1">
-                          <a:effectLst/>
-                          <a:latin typeface="Helvetica" pitchFamily="2" charset="0"/>
-                        </a:rPr>
-                        <a:t>возврате</a:t>
-                      </a:r>
-                      <a:r>
-                        <a:rPr lang="en-US" sz="1050" dirty="0">
-                          <a:effectLst/>
-                          <a:latin typeface="Helvetica" pitchFamily="2" charset="0"/>
-                        </a:rPr>
-                        <a:t>/</a:t>
-                      </a:r>
-                      <a:r>
-                        <a:rPr lang="en-US" sz="1050" dirty="0" err="1">
-                          <a:effectLst/>
-                          <a:latin typeface="Helvetica" pitchFamily="2" charset="0"/>
-                        </a:rPr>
-                        <a:t>закрытии</a:t>
-                      </a:r>
-                      <a:br>
-                        <a:rPr lang="en-US" sz="1050" dirty="0">
-                          <a:effectLst/>
-                          <a:latin typeface="Helvetica" pitchFamily="2" charset="0"/>
-                        </a:rPr>
-                      </a:br>
-                      <a:r>
-                        <a:rPr lang="en-US" sz="1050" dirty="0" err="1">
-                          <a:effectLst/>
-                          <a:latin typeface="Helvetica" pitchFamily="2" charset="0"/>
-                        </a:rPr>
-                        <a:t>Статус</a:t>
-                      </a:r>
-                      <a:r>
-                        <a:rPr lang="en-US" sz="1050" dirty="0">
-                          <a:effectLst/>
-                          <a:latin typeface="Helvetica" pitchFamily="2" charset="0"/>
-                        </a:rPr>
-                        <a:t> </a:t>
-                      </a:r>
-                      <a:r>
-                        <a:rPr lang="en-US" sz="1050" dirty="0" err="1">
-                          <a:effectLst/>
-                          <a:latin typeface="Helvetica" pitchFamily="2" charset="0"/>
-                        </a:rPr>
-                        <a:t>заявки</a:t>
-                      </a:r>
-                      <a:br>
-                        <a:rPr lang="en-US" sz="1050" dirty="0">
-                          <a:effectLst/>
-                          <a:latin typeface="Helvetica" pitchFamily="2" charset="0"/>
-                        </a:rPr>
-                      </a:br>
-                      <a:r>
-                        <a:rPr lang="en-US" sz="1050" dirty="0" err="1">
-                          <a:effectLst/>
-                          <a:latin typeface="Helvetica" pitchFamily="2" charset="0"/>
-                        </a:rPr>
-                        <a:t>Отчёты</a:t>
-                      </a:r>
-                      <a:r>
-                        <a:rPr lang="en-US" sz="1050" dirty="0">
-                          <a:effectLst/>
-                          <a:latin typeface="Helvetica" pitchFamily="2" charset="0"/>
-                        </a:rPr>
-                        <a:t> </a:t>
-                      </a:r>
-                      <a:r>
-                        <a:rPr lang="en-US" sz="1050" dirty="0" err="1">
-                          <a:effectLst/>
-                          <a:latin typeface="Helvetica" pitchFamily="2" charset="0"/>
-                        </a:rPr>
-                        <a:t>и</a:t>
-                      </a:r>
-                      <a:r>
-                        <a:rPr lang="en-US" sz="1050" dirty="0">
-                          <a:effectLst/>
-                          <a:latin typeface="Helvetica" pitchFamily="2" charset="0"/>
-                        </a:rPr>
-                        <a:t> </a:t>
-                      </a:r>
-                      <a:r>
-                        <a:rPr lang="en-US" sz="1050" dirty="0" err="1">
-                          <a:effectLst/>
-                          <a:latin typeface="Helvetica" pitchFamily="2" charset="0"/>
-                        </a:rPr>
-                        <a:t>статистика</a:t>
-                      </a:r>
-                      <a:r>
-                        <a:rPr lang="en-US" sz="1050" dirty="0">
-                          <a:effectLst/>
-                          <a:latin typeface="Helvetica" pitchFamily="2" charset="0"/>
-                        </a:rPr>
-                        <a:t> </a:t>
-                      </a:r>
-                      <a:r>
-                        <a:rPr lang="en-US" sz="1050" dirty="0" err="1">
-                          <a:effectLst/>
-                          <a:latin typeface="Helvetica" pitchFamily="2" charset="0"/>
-                        </a:rPr>
-                        <a:t>выполнения</a:t>
-                      </a:r>
-                      <a:endParaRPr lang="ru-US" sz="1050" dirty="0">
-                        <a:effectLst/>
-                        <a:latin typeface="Helvetica" pitchFamily="2" charset="0"/>
-                        <a:ea typeface="MS Mincho" panose="02020609040205080304" pitchFamily="49" charset="-128"/>
-                        <a:cs typeface="Times New Roman" panose="02020603050405020304" pitchFamily="18" charset="0"/>
-                      </a:endParaRPr>
-                    </a:p>
-                  </a:txBody>
-                  <a:tcPr marL="49687" marR="49687" marT="0" marB="0"/>
-                </a:tc>
-                <a:extLst>
-                  <a:ext uri="{0D108BD9-81ED-4DB2-BD59-A6C34878D82A}">
-                    <a16:rowId xmlns:a16="http://schemas.microsoft.com/office/drawing/2014/main" val="2011187130"/>
-                  </a:ext>
-                </a:extLst>
-              </a:tr>
-              <a:tr h="296186">
-                <a:tc>
-                  <a:txBody>
-                    <a:bodyPr/>
-                    <a:lstStyle/>
-                    <a:p>
-                      <a:pPr>
-                        <a:lnSpc>
-                          <a:spcPct val="115000"/>
-                        </a:lnSpc>
-                        <a:spcAft>
-                          <a:spcPts val="1000"/>
-                        </a:spcAft>
-                      </a:pPr>
-                      <a:r>
-                        <a:rPr lang="en-US" sz="1050">
-                          <a:effectLst/>
-                          <a:latin typeface="Helvetica" pitchFamily="2" charset="0"/>
-                        </a:rPr>
-                        <a:t>A6. Управлять ролями и учетными записями</a:t>
-                      </a:r>
-                      <a:endParaRPr lang="ru-US" sz="1050">
-                        <a:effectLst/>
-                        <a:latin typeface="Helvetica" pitchFamily="2" charset="0"/>
-                        <a:ea typeface="MS Mincho" panose="02020609040205080304" pitchFamily="49" charset="-128"/>
-                        <a:cs typeface="Times New Roman" panose="02020603050405020304" pitchFamily="18" charset="0"/>
-                      </a:endParaRPr>
-                    </a:p>
-                  </a:txBody>
-                  <a:tcPr marL="49687" marR="49687" marT="0" marB="0"/>
-                </a:tc>
-                <a:tc>
-                  <a:txBody>
-                    <a:bodyPr/>
-                    <a:lstStyle/>
-                    <a:p>
-                      <a:pPr>
-                        <a:lnSpc>
-                          <a:spcPct val="115000"/>
-                        </a:lnSpc>
-                        <a:spcAft>
-                          <a:spcPts val="1000"/>
-                        </a:spcAft>
-                      </a:pPr>
-                      <a:r>
-                        <a:rPr lang="en-US" sz="1050" dirty="0" err="1">
-                          <a:effectLst/>
-                          <a:latin typeface="Helvetica" pitchFamily="2" charset="0"/>
-                        </a:rPr>
-                        <a:t>Политики</a:t>
-                      </a:r>
-                      <a:r>
-                        <a:rPr lang="en-US" sz="1050" dirty="0">
-                          <a:effectLst/>
-                          <a:latin typeface="Helvetica" pitchFamily="2" charset="0"/>
-                        </a:rPr>
-                        <a:t> </a:t>
-                      </a:r>
-                      <a:r>
-                        <a:rPr lang="en-US" sz="1050" dirty="0" err="1">
-                          <a:effectLst/>
-                          <a:latin typeface="Helvetica" pitchFamily="2" charset="0"/>
-                        </a:rPr>
-                        <a:t>доступа</a:t>
-                      </a:r>
-                      <a:r>
-                        <a:rPr lang="en-US" sz="1050" dirty="0">
-                          <a:effectLst/>
-                          <a:latin typeface="Helvetica" pitchFamily="2" charset="0"/>
-                        </a:rPr>
-                        <a:t> </a:t>
-                      </a:r>
-                      <a:r>
-                        <a:rPr lang="en-US" sz="1050" dirty="0" err="1">
-                          <a:effectLst/>
-                          <a:latin typeface="Helvetica" pitchFamily="2" charset="0"/>
-                        </a:rPr>
-                        <a:t>и</a:t>
-                      </a:r>
-                      <a:r>
-                        <a:rPr lang="en-US" sz="1050" dirty="0">
-                          <a:effectLst/>
-                          <a:latin typeface="Helvetica" pitchFamily="2" charset="0"/>
-                        </a:rPr>
-                        <a:t> </a:t>
-                      </a:r>
-                      <a:r>
-                        <a:rPr lang="en-US" sz="1050" dirty="0" err="1">
-                          <a:effectLst/>
-                          <a:latin typeface="Helvetica" pitchFamily="2" charset="0"/>
-                        </a:rPr>
-                        <a:t>учёт</a:t>
-                      </a:r>
-                      <a:r>
-                        <a:rPr lang="en-US" sz="1050" dirty="0">
-                          <a:effectLst/>
-                          <a:latin typeface="Helvetica" pitchFamily="2" charset="0"/>
-                        </a:rPr>
-                        <a:t> </a:t>
-                      </a:r>
-                      <a:r>
-                        <a:rPr lang="en-US" sz="1050" dirty="0" err="1">
-                          <a:effectLst/>
-                          <a:latin typeface="Helvetica" pitchFamily="2" charset="0"/>
-                        </a:rPr>
-                        <a:t>пользователей</a:t>
-                      </a:r>
-                      <a:r>
-                        <a:rPr lang="en-US" sz="1050" dirty="0">
-                          <a:effectLst/>
-                          <a:latin typeface="Helvetica" pitchFamily="2" charset="0"/>
-                        </a:rPr>
-                        <a:t> </a:t>
-                      </a:r>
-                      <a:endParaRPr lang="ru-US" sz="1050" dirty="0">
-                        <a:effectLst/>
-                        <a:latin typeface="Helvetica" pitchFamily="2" charset="0"/>
-                        <a:ea typeface="MS Mincho" panose="02020609040205080304" pitchFamily="49" charset="-128"/>
-                        <a:cs typeface="Times New Roman" panose="02020603050405020304" pitchFamily="18" charset="0"/>
-                      </a:endParaRPr>
-                    </a:p>
-                  </a:txBody>
-                  <a:tcPr marL="49687" marR="49687" marT="0" marB="0"/>
-                </a:tc>
-                <a:tc>
-                  <a:txBody>
-                    <a:bodyPr/>
-                    <a:lstStyle/>
-                    <a:p>
-                      <a:pPr>
-                        <a:lnSpc>
-                          <a:spcPct val="115000"/>
-                        </a:lnSpc>
-                        <a:spcAft>
-                          <a:spcPts val="1000"/>
-                        </a:spcAft>
-                      </a:pPr>
-                      <a:r>
-                        <a:rPr lang="en-US" sz="1050" dirty="0" err="1">
-                          <a:effectLst/>
-                          <a:latin typeface="Helvetica" pitchFamily="2" charset="0"/>
-                        </a:rPr>
-                        <a:t>Политики</a:t>
-                      </a:r>
-                      <a:r>
-                        <a:rPr lang="en-US" sz="1050" dirty="0">
-                          <a:effectLst/>
-                          <a:latin typeface="Helvetica" pitchFamily="2" charset="0"/>
-                        </a:rPr>
-                        <a:t> </a:t>
-                      </a:r>
-                      <a:r>
-                        <a:rPr lang="en-US" sz="1050" dirty="0" err="1">
-                          <a:effectLst/>
-                          <a:latin typeface="Helvetica" pitchFamily="2" charset="0"/>
-                        </a:rPr>
-                        <a:t>и</a:t>
-                      </a:r>
-                      <a:r>
-                        <a:rPr lang="en-US" sz="1050" dirty="0">
-                          <a:effectLst/>
-                          <a:latin typeface="Helvetica" pitchFamily="2" charset="0"/>
-                        </a:rPr>
-                        <a:t> </a:t>
-                      </a:r>
-                      <a:r>
-                        <a:rPr lang="en-US" sz="1050" dirty="0" err="1">
-                          <a:effectLst/>
-                          <a:latin typeface="Helvetica" pitchFamily="2" charset="0"/>
-                        </a:rPr>
-                        <a:t>учёт</a:t>
-                      </a:r>
-                      <a:r>
-                        <a:rPr lang="en-US" sz="1050" dirty="0">
-                          <a:effectLst/>
-                          <a:latin typeface="Helvetica" pitchFamily="2" charset="0"/>
-                        </a:rPr>
-                        <a:t> </a:t>
-                      </a:r>
-                      <a:r>
-                        <a:rPr lang="en-US" sz="1050" dirty="0" err="1">
-                          <a:effectLst/>
-                          <a:latin typeface="Helvetica" pitchFamily="2" charset="0"/>
-                        </a:rPr>
-                        <a:t>пользователей</a:t>
-                      </a:r>
-                      <a:endParaRPr lang="ru-US" sz="1050" dirty="0">
-                        <a:effectLst/>
-                        <a:latin typeface="Helvetica" pitchFamily="2" charset="0"/>
-                        <a:ea typeface="MS Mincho" panose="02020609040205080304" pitchFamily="49" charset="-128"/>
-                        <a:cs typeface="Times New Roman" panose="02020603050405020304" pitchFamily="18" charset="0"/>
-                      </a:endParaRPr>
-                    </a:p>
-                  </a:txBody>
-                  <a:tcPr marL="49687" marR="49687" marT="0" marB="0"/>
-                </a:tc>
-                <a:extLst>
-                  <a:ext uri="{0D108BD9-81ED-4DB2-BD59-A6C34878D82A}">
-                    <a16:rowId xmlns:a16="http://schemas.microsoft.com/office/drawing/2014/main" val="2102115555"/>
-                  </a:ext>
-                </a:extLst>
-              </a:tr>
-            </a:tbl>
-          </a:graphicData>
-        </a:graphic>
-      </p:graphicFrame>
+          <p:cNvPicPr>
+            <a:picLocks noChangeAspect="1"/>
+          </p:cNvPicPr>
+          <p:nvPr/>
+        </p:nvPicPr>
+        <p:blipFill>
+          <a:blip r:embed="rId2"/>
+          <a:stretch>
+            <a:fillRect/>
+          </a:stretch>
+        </p:blipFill>
+        <p:spPr>
+          <a:xfrm>
+            <a:off x="441939" y="1417639"/>
+            <a:ext cx="8244861" cy="5018300"/>
+          </a:xfrm>
+          <a:prstGeom prst="rect">
+            <a:avLst/>
+          </a:prstGeom>
+        </p:spPr>
+      </p:pic>
+      <p:sp>
+        <p:nvSpPr>
+          <p:cNvPr id="2" name="Title 1"/>
+          <p:cNvSpPr>
+            <a:spLocks noGrp="1"/>
+          </p:cNvSpPr>
+          <p:nvPr>
+            <p:ph type="title"/>
+          </p:nvPr>
+        </p:nvSpPr>
+        <p:spPr/>
+        <p:txBody>
+          <a:bodyPr>
+            <a:normAutofit/>
+          </a:bodyPr>
+          <a:lstStyle/>
+          <a:p>
+            <a:r>
+              <a:rPr sz="4000" dirty="0">
+                <a:latin typeface="Helvetica" pitchFamily="2" charset="0"/>
+              </a:rPr>
+              <a:t>DFD </a:t>
+            </a:r>
+            <a:r>
+              <a:rPr sz="4000" dirty="0" err="1">
+                <a:latin typeface="Helvetica" pitchFamily="2" charset="0"/>
+              </a:rPr>
+              <a:t>первого</a:t>
+            </a:r>
+            <a:r>
+              <a:rPr sz="4000" dirty="0">
+                <a:latin typeface="Helvetica" pitchFamily="2" charset="0"/>
+              </a:rPr>
+              <a:t> </a:t>
+            </a:r>
+            <a:r>
+              <a:rPr sz="4000" dirty="0" err="1">
+                <a:latin typeface="Helvetica" pitchFamily="2" charset="0"/>
+              </a:rPr>
+              <a:t>уровня</a:t>
+            </a:r>
+            <a:r>
+              <a:rPr sz="4000" dirty="0">
+                <a:latin typeface="Helvetica" pitchFamily="2" charset="0"/>
+              </a:rPr>
+              <a:t> (A0</a:t>
+            </a:r>
+            <a:r>
+              <a:rPr lang="ru-RU" sz="4000" dirty="0">
+                <a:latin typeface="Helvetica" pitchFamily="2" charset="0"/>
+              </a:rPr>
+              <a:t>)</a:t>
+            </a:r>
+            <a:endParaRPr sz="4000" dirty="0">
+              <a:latin typeface="Helvetica" pitchFamily="2" charset="0"/>
+            </a:endParaRPr>
+          </a:p>
+        </p:txBody>
+      </p:sp>
     </p:spTree>
   </p:cSld>
   <p:clrMapOvr>
@@ -7632,6 +7289,12 @@
                 <a:latin typeface="Helvetica" pitchFamily="2" charset="0"/>
               </a:rPr>
               <a:t>внимание</a:t>
+            </a:r>
+            <a:r>
+              <a:rPr lang="ru-RU" dirty="0">
+                <a:latin typeface="Helvetica" pitchFamily="2" charset="0"/>
+              </a:rPr>
+              <a:t>!</a:t>
             </a:r>
             <a:endParaRPr dirty="0">
               <a:latin typeface="Helvetica" pitchFamily="2" charset="0"/>

--- a/students/K3241/Marchenko_Vadim/LR_1/Презентация_АИС_Архив_Кнопка_DFD.pptx
+++ b/students/K3241/Marchenko_Vadim/LR_1/Презентация_АИС_Архив_Кнопка_DFD.pptx
@@ -6566,7 +6566,7 @@
               <a:rPr lang="ru-RU" dirty="0">
                 <a:latin typeface="Helvetica" pitchFamily="2" charset="0"/>
               </a:rPr>
-              <a:t>Сотрудник компании (инициатор)</a:t>
+              <a:t>Заказчик</a:t>
             </a:r>
           </a:p>
           <a:p>
@@ -6592,7 +6592,7 @@
               <a:rPr lang="ru-RU" dirty="0">
                 <a:latin typeface="Helvetica" pitchFamily="2" charset="0"/>
               </a:rPr>
-              <a:t>Служба архива</a:t>
+              <a:t>Диспетчер</a:t>
             </a:r>
           </a:p>
           <a:p>
@@ -6618,7 +6618,7 @@
               <a:rPr lang="ru-RU" dirty="0">
                 <a:latin typeface="Helvetica" pitchFamily="2" charset="0"/>
               </a:rPr>
-              <a:t>Клиент/заказчик</a:t>
+              <a:t>Генеральный директор</a:t>
             </a:r>
           </a:p>
           <a:p>
@@ -6641,10 +6641,10 @@
               <a:t> </a:t>
             </a:r>
             <a:r>
-              <a:rPr lang="ru-RU" dirty="0">
-                <a:latin typeface="Helvetica" pitchFamily="2" charset="0"/>
-              </a:rPr>
-              <a:t>Администратор системы</a:t>
+              <a:rPr lang="ru-RU">
+                <a:latin typeface="Helvetica" pitchFamily="2" charset="0"/>
+              </a:rPr>
+              <a:t>Бухгалтер</a:t>
             </a:r>
             <a:endParaRPr lang="ru-US" dirty="0">
               <a:latin typeface="Helvetica" pitchFamily="2" charset="0"/>
